--- a/Materiaal/Pythonlearn-04-Functions.pptx
+++ b/Materiaal/Pythonlearn-04-Functions.pptx
@@ -240,7 +240,7 @@
   </p:defaultTextStyle>
   <p:extLst>
     <p:ext uri="{EFAFB233-063F-42B5-8137-9DF3F51BA10A}">
-      <p15:sldGuideLst xmlns="" xmlns:p15="http://schemas.microsoft.com/office/powerpoint/2012/main">
+      <p15:sldGuideLst xmlns:p15="http://schemas.microsoft.com/office/powerpoint/2012/main">
         <p15:guide id="1" orient="horz" pos="2880">
           <p15:clr>
             <a:srgbClr val="A4A3A4"/>
@@ -1788,7 +1788,76 @@
               </a:spcBef>
               <a:buNone/>
             </a:pPr>
-            <a:endParaRPr/>
+            <a:r>
+              <a:rPr lang="nl-NL" dirty="0"/>
+              <a:t>We do </a:t>
+            </a:r>
+            <a:r>
+              <a:rPr lang="nl-NL" dirty="0" err="1"/>
+              <a:t>not</a:t>
+            </a:r>
+            <a:r>
+              <a:rPr lang="nl-NL" dirty="0"/>
+              <a:t> like </a:t>
+            </a:r>
+            <a:r>
+              <a:rPr lang="nl-NL" dirty="0" err="1"/>
+              <a:t>to</a:t>
+            </a:r>
+            <a:r>
+              <a:rPr lang="nl-NL" dirty="0"/>
+              <a:t> </a:t>
+            </a:r>
+            <a:r>
+              <a:rPr lang="nl-NL" dirty="0" err="1"/>
+              <a:t>repeat</a:t>
+            </a:r>
+            <a:r>
+              <a:rPr lang="nl-NL" dirty="0"/>
+              <a:t> </a:t>
+            </a:r>
+            <a:r>
+              <a:rPr lang="nl-NL" dirty="0" err="1"/>
+              <a:t>ourselves</a:t>
+            </a:r>
+            <a:endParaRPr lang="nl-NL" dirty="0"/>
+          </a:p>
+          <a:p>
+            <a:pPr lvl="0">
+              <a:spcBef>
+                <a:spcPts val="0"/>
+              </a:spcBef>
+              <a:buNone/>
+            </a:pPr>
+            <a:r>
+              <a:rPr lang="nl-NL" dirty="0"/>
+              <a:t>We store </a:t>
+            </a:r>
+            <a:r>
+              <a:rPr lang="nl-NL" dirty="0" err="1"/>
+              <a:t>and</a:t>
+            </a:r>
+            <a:r>
+              <a:rPr lang="nl-NL" dirty="0"/>
+              <a:t> </a:t>
+            </a:r>
+            <a:r>
+              <a:rPr lang="nl-NL" dirty="0" err="1"/>
+              <a:t>reuse</a:t>
+            </a:r>
+            <a:r>
+              <a:rPr lang="nl-NL" dirty="0"/>
+              <a:t> </a:t>
+            </a:r>
+            <a:r>
+              <a:rPr lang="nl-NL" dirty="0" err="1"/>
+              <a:t>functions</a:t>
+            </a:r>
+            <a:r>
+              <a:rPr lang="nl-NL" dirty="0"/>
+              <a:t> </a:t>
+            </a:r>
+            <a:endParaRPr dirty="0"/>
           </a:p>
         </p:txBody>
       </p:sp>
@@ -2448,7 +2517,7 @@
               </a:spcBef>
               <a:buNone/>
             </a:pPr>
-            <a:endParaRPr/>
+            <a:endParaRPr dirty="0"/>
           </a:p>
         </p:txBody>
       </p:sp>
@@ -4283,7 +4352,7 @@
             <a:pPr eaLnBrk="1" hangingPunct="1">
               <a:defRPr/>
             </a:pPr>
-            <a:endParaRPr lang="en-US" altLang="en-US" sz="3600" smtClean="0"/>
+            <a:endParaRPr lang="en-US" altLang="en-US" sz="3600"/>
           </a:p>
         </p:txBody>
       </p:sp>
@@ -4433,7 +4502,7 @@
             <a:pPr eaLnBrk="1" hangingPunct="1">
               <a:defRPr/>
             </a:pPr>
-            <a:endParaRPr lang="en-US" altLang="en-US" sz="3600" smtClean="0"/>
+            <a:endParaRPr lang="en-US" altLang="en-US" sz="3600"/>
           </a:p>
         </p:txBody>
       </p:sp>
@@ -5064,7 +5133,7 @@
               <a:buNone/>
             </a:pPr>
             <a:r>
-              <a:rPr lang="en-US" sz="3200" u="none" strike="noStrike" cap="none" dirty="0" smtClean="0">
+              <a:rPr lang="en-US" sz="3200" u="none" strike="noStrike" cap="none" dirty="0">
                 <a:solidFill>
                   <a:srgbClr val="FFFF00"/>
                 </a:solidFill>
@@ -5075,15 +5144,6 @@
               </a:rPr>
               <a:t>Python for Everybody</a:t>
             </a:r>
-            <a:endParaRPr lang="en-US" sz="3200" u="none" strike="noStrike" cap="none" dirty="0">
-              <a:solidFill>
-                <a:srgbClr val="FFFF00"/>
-              </a:solidFill>
-              <a:latin typeface="Arial" charset="0"/>
-              <a:ea typeface="Arial" charset="0"/>
-              <a:cs typeface="Arial" charset="0"/>
-              <a:sym typeface="Cabin"/>
-            </a:endParaRPr>
           </a:p>
           <a:p>
             <a:pPr marL="0" marR="0" lvl="0" indent="0" algn="ctr" rtl="0">
@@ -5104,7 +5164,7 @@
               <a:buNone/>
             </a:pPr>
             <a:r>
-              <a:rPr lang="en-US" sz="3200" u="sng" strike="noStrike" cap="none" dirty="0" smtClean="0">
+              <a:rPr lang="en-US" sz="3200" u="sng" strike="noStrike" cap="none" dirty="0">
                 <a:solidFill>
                   <a:srgbClr val="FFFF00"/>
                 </a:solidFill>
@@ -5116,16 +5176,6 @@
               </a:rPr>
               <a:t>www.py4e.com</a:t>
             </a:r>
-            <a:endParaRPr lang="en-US" sz="3200" u="sng" strike="noStrike" cap="none" dirty="0">
-              <a:solidFill>
-                <a:srgbClr val="FFFF00"/>
-              </a:solidFill>
-              <a:latin typeface="Arial" charset="0"/>
-              <a:ea typeface="Arial" charset="0"/>
-              <a:cs typeface="Arial" charset="0"/>
-              <a:sym typeface="Cabin"/>
-              <a:hlinkClick r:id="rId3"/>
-            </a:endParaRPr>
           </a:p>
         </p:txBody>
       </p:sp>
@@ -5188,13 +5238,6 @@
   <p:clrMapOvr>
     <a:masterClrMapping/>
   </p:clrMapOvr>
-  <p:timing>
-    <p:tnLst>
-      <p:par>
-        <p:cTn xmlns:p14="http://schemas.microsoft.com/office/powerpoint/2010/main" id="1" dur="indefinite" restart="never" nodeType="tmRoot"/>
-      </p:par>
-    </p:tnLst>
-  </p:timing>
 </p:sld>
 </file>
 
@@ -5231,7 +5274,7 @@
           <a:lstStyle/>
           <a:p>
             <a:r>
-              <a:rPr lang="en-US" sz="7200" dirty="0" smtClean="0">
+              <a:rPr lang="en-US" sz="7200" dirty="0">
                 <a:solidFill>
                   <a:srgbClr val="FFD966"/>
                 </a:solidFill>
@@ -5243,7 +5286,7 @@
               <a:t>Functions of Our Own</a:t>
             </a:r>
             <a:r>
-              <a:rPr lang="is-IS" sz="7200" dirty="0" smtClean="0">
+              <a:rPr lang="is-IS" sz="7200" dirty="0">
                 <a:solidFill>
                   <a:srgbClr val="FFD966"/>
                 </a:solidFill>
@@ -5272,13 +5315,6 @@
   <p:clrMapOvr>
     <a:masterClrMapping/>
   </p:clrMapOvr>
-  <p:timing>
-    <p:tnLst>
-      <p:par>
-        <p:cTn xmlns:p14="http://schemas.microsoft.com/office/powerpoint/2010/main" id="1" dur="indefinite" restart="never" nodeType="tmRoot"/>
-      </p:par>
-    </p:tnLst>
-  </p:timing>
 </p:sld>
 </file>
 
@@ -5721,7 +5757,7 @@
               <a:t>    </a:t>
             </a:r>
             <a:r>
-              <a:rPr lang="en-US" sz="2600" i="0" u="none" strike="noStrike" cap="none" dirty="0" smtClean="0">
+              <a:rPr lang="en-US" sz="2600" i="0" u="none" strike="noStrike" cap="none" dirty="0">
                 <a:solidFill>
                   <a:srgbClr val="FFFF00"/>
                 </a:solidFill>
@@ -5745,18 +5781,6 @@
               <a:t>(</a:t>
             </a:r>
             <a:r>
-              <a:rPr lang="en-US" sz="2600" i="0" u="none" strike="noStrike" cap="none" dirty="0" smtClean="0">
-                <a:solidFill>
-                  <a:schemeClr val="lt1"/>
-                </a:solidFill>
-                <a:latin typeface="Courier"/>
-                <a:ea typeface="Courier"/>
-                <a:cs typeface="Courier"/>
-                <a:sym typeface="Courier New"/>
-              </a:rPr>
-              <a:t>"I'm </a:t>
-            </a:r>
-            <a:r>
               <a:rPr lang="en-US" sz="2600" i="0" u="none" strike="noStrike" cap="none" dirty="0">
                 <a:solidFill>
                   <a:schemeClr val="lt1"/>
@@ -5766,22 +5790,10 @@
                 <a:cs typeface="Courier"/>
                 <a:sym typeface="Courier New"/>
               </a:rPr>
-              <a:t>a lumberjack, and I'm okay</a:t>
-            </a:r>
-            <a:r>
-              <a:rPr lang="en-US" sz="2600" i="0" u="none" strike="noStrike" cap="none" dirty="0" smtClean="0">
-                <a:solidFill>
-                  <a:schemeClr val="lt1"/>
-                </a:solidFill>
-                <a:latin typeface="Courier"/>
-                <a:ea typeface="Courier"/>
-                <a:cs typeface="Courier"/>
-                <a:sym typeface="Courier New"/>
-              </a:rPr>
-              <a:t>.</a:t>
-            </a:r>
-            <a:r>
-              <a:rPr lang="en-US" sz="2600" dirty="0" smtClean="0">
+              <a:t>"I'm a lumberjack, and I'm okay.</a:t>
+            </a:r>
+            <a:r>
+              <a:rPr lang="en-US" sz="2600" dirty="0">
                 <a:solidFill>
                   <a:schemeClr val="lt1"/>
                 </a:solidFill>
@@ -5792,15 +5804,6 @@
               </a:rPr>
               <a:t>")</a:t>
             </a:r>
-            <a:endParaRPr lang="en-US" sz="2600" dirty="0">
-              <a:solidFill>
-                <a:schemeClr val="lt1"/>
-              </a:solidFill>
-              <a:latin typeface="Courier"/>
-              <a:ea typeface="Courier"/>
-              <a:cs typeface="Courier"/>
-              <a:sym typeface="Courier New"/>
-            </a:endParaRPr>
           </a:p>
           <a:p>
             <a:pPr marL="0" marR="0" lvl="0" indent="0" algn="l" rtl="0">
@@ -5833,7 +5836,7 @@
               <a:t>    </a:t>
             </a:r>
             <a:r>
-              <a:rPr lang="en-US" sz="2600" i="0" u="none" strike="noStrike" cap="none" dirty="0" smtClean="0">
+              <a:rPr lang="en-US" sz="2600" i="0" u="none" strike="noStrike" cap="none" dirty="0">
                 <a:solidFill>
                   <a:srgbClr val="FFFF00"/>
                 </a:solidFill>
@@ -5857,18 +5860,6 @@
               <a:t>(</a:t>
             </a:r>
             <a:r>
-              <a:rPr lang="en-US" sz="2600" i="0" u="none" strike="noStrike" cap="none" dirty="0" smtClean="0">
-                <a:solidFill>
-                  <a:schemeClr val="lt1"/>
-                </a:solidFill>
-                <a:latin typeface="Courier"/>
-                <a:ea typeface="Courier"/>
-                <a:cs typeface="Courier"/>
-                <a:sym typeface="Courier New"/>
-              </a:rPr>
-              <a:t>'I </a:t>
-            </a:r>
-            <a:r>
               <a:rPr lang="en-US" sz="2600" i="0" u="none" strike="noStrike" cap="none" dirty="0">
                 <a:solidFill>
                   <a:schemeClr val="lt1"/>
@@ -5878,29 +5869,8 @@
                 <a:cs typeface="Courier"/>
                 <a:sym typeface="Courier New"/>
               </a:rPr>
-              <a:t>sleep all night and I work all day</a:t>
-            </a:r>
-            <a:r>
-              <a:rPr lang="en-US" sz="2600" i="0" u="none" strike="noStrike" cap="none" dirty="0" smtClean="0">
-                <a:solidFill>
-                  <a:schemeClr val="lt1"/>
-                </a:solidFill>
-                <a:latin typeface="Courier"/>
-                <a:ea typeface="Courier"/>
-                <a:cs typeface="Courier"/>
-                <a:sym typeface="Courier New"/>
-              </a:rPr>
-              <a:t>.')</a:t>
-            </a:r>
-            <a:endParaRPr lang="en-US" sz="2600" i="0" u="none" strike="noStrike" cap="none" dirty="0">
-              <a:solidFill>
-                <a:schemeClr val="lt1"/>
-              </a:solidFill>
-              <a:latin typeface="Courier"/>
-              <a:ea typeface="Courier"/>
-              <a:cs typeface="Courier"/>
-              <a:sym typeface="Courier New"/>
-            </a:endParaRPr>
+              <a:t>'I sleep all night and I work all day.')</a:t>
+            </a:r>
           </a:p>
         </p:txBody>
       </p:sp>
@@ -5909,13 +5879,6 @@
   <p:clrMapOvr>
     <a:masterClrMapping/>
   </p:clrMapOvr>
-  <p:timing>
-    <p:tnLst>
-      <p:par>
-        <p:cTn xmlns:p14="http://schemas.microsoft.com/office/powerpoint/2010/main" id="1" dur="indefinite" restart="never" nodeType="tmRoot"/>
-      </p:par>
-    </p:tnLst>
-  </p:timing>
 </p:sld>
 </file>
 
@@ -6022,7 +5985,7 @@
               <a:buNone/>
             </a:pPr>
             <a:r>
-              <a:rPr lang="en-US" sz="2800" i="0" u="none" strike="noStrike" cap="none" dirty="0" smtClean="0">
+              <a:rPr lang="en-US" sz="2800" i="0" u="none" strike="noStrike" cap="none" dirty="0">
                 <a:solidFill>
                   <a:srgbClr val="FFFF00"/>
                 </a:solidFill>
@@ -6046,7 +6009,7 @@
               <a:t>(</a:t>
             </a:r>
             <a:r>
-              <a:rPr lang="en-US" sz="2800" i="0" u="none" strike="noStrike" cap="none" dirty="0" smtClean="0">
+              <a:rPr lang="en-US" sz="2800" i="0" u="none" strike="noStrike" cap="none" dirty="0">
                 <a:solidFill>
                   <a:schemeClr val="lt1"/>
                 </a:solidFill>
@@ -6057,15 +6020,6 @@
               </a:rPr>
               <a:t>'Hello')</a:t>
             </a:r>
-            <a:endParaRPr lang="en-US" sz="2800" i="0" u="none" strike="noStrike" cap="none" dirty="0">
-              <a:solidFill>
-                <a:schemeClr val="lt1"/>
-              </a:solidFill>
-              <a:latin typeface="Courier"/>
-              <a:ea typeface="Courier"/>
-              <a:cs typeface="Courier"/>
-              <a:sym typeface="Courier New"/>
-            </a:endParaRPr>
           </a:p>
           <a:p>
             <a:pPr marL="0" marR="0" lvl="0" indent="0" algn="ctr" rtl="0">
@@ -6188,7 +6142,7 @@
               <a:t>    </a:t>
             </a:r>
             <a:r>
-              <a:rPr lang="en-US" sz="2800" i="0" u="none" strike="noStrike" cap="none" dirty="0" smtClean="0">
+              <a:rPr lang="en-US" sz="2800" i="0" u="none" strike="noStrike" cap="none" dirty="0">
                 <a:solidFill>
                   <a:srgbClr val="FFFF00"/>
                 </a:solidFill>
@@ -6212,18 +6166,6 @@
               <a:t>(</a:t>
             </a:r>
             <a:r>
-              <a:rPr lang="en-US" sz="2800" i="0" u="none" strike="noStrike" cap="none" dirty="0" smtClean="0">
-                <a:solidFill>
-                  <a:schemeClr val="lt1"/>
-                </a:solidFill>
-                <a:latin typeface="Courier"/>
-                <a:ea typeface="Courier"/>
-                <a:cs typeface="Courier"/>
-                <a:sym typeface="Courier New"/>
-              </a:rPr>
-              <a:t>"I'm </a:t>
-            </a:r>
-            <a:r>
               <a:rPr lang="en-US" sz="2800" i="0" u="none" strike="noStrike" cap="none" dirty="0">
                 <a:solidFill>
                   <a:schemeClr val="lt1"/>
@@ -6233,22 +6175,10 @@
                 <a:cs typeface="Courier"/>
                 <a:sym typeface="Courier New"/>
               </a:rPr>
-              <a:t>a lumberjack, and I'm okay</a:t>
-            </a:r>
-            <a:r>
-              <a:rPr lang="en-US" sz="2800" i="0" u="none" strike="noStrike" cap="none" dirty="0" smtClean="0">
-                <a:solidFill>
-                  <a:schemeClr val="lt1"/>
-                </a:solidFill>
-                <a:latin typeface="Courier"/>
-                <a:ea typeface="Courier"/>
-                <a:cs typeface="Courier"/>
-                <a:sym typeface="Courier New"/>
-              </a:rPr>
-              <a:t>.</a:t>
-            </a:r>
-            <a:r>
-              <a:rPr lang="en-US" sz="2800" dirty="0" smtClean="0">
+              <a:t>"I'm a lumberjack, and I'm okay.</a:t>
+            </a:r>
+            <a:r>
+              <a:rPr lang="en-US" sz="2800" dirty="0">
                 <a:solidFill>
                   <a:schemeClr val="lt1"/>
                 </a:solidFill>
@@ -6259,15 +6189,6 @@
               </a:rPr>
               <a:t>")</a:t>
             </a:r>
-            <a:endParaRPr lang="en-US" sz="2800" dirty="0">
-              <a:solidFill>
-                <a:schemeClr val="lt1"/>
-              </a:solidFill>
-              <a:latin typeface="Courier"/>
-              <a:ea typeface="Courier"/>
-              <a:cs typeface="Courier"/>
-              <a:sym typeface="Courier New"/>
-            </a:endParaRPr>
           </a:p>
           <a:p>
             <a:pPr marL="0" marR="0" lvl="0" indent="0" algn="l" rtl="0">
@@ -6300,7 +6221,7 @@
               <a:t>    </a:t>
             </a:r>
             <a:r>
-              <a:rPr lang="en-US" sz="2800" i="0" u="none" strike="noStrike" cap="none" dirty="0" smtClean="0">
+              <a:rPr lang="en-US" sz="2800" i="0" u="none" strike="noStrike" cap="none" dirty="0">
                 <a:solidFill>
                   <a:srgbClr val="FFFF00"/>
                 </a:solidFill>
@@ -6324,18 +6245,6 @@
               <a:t>(</a:t>
             </a:r>
             <a:r>
-              <a:rPr lang="en-US" sz="2800" i="0" u="none" strike="noStrike" cap="none" dirty="0" smtClean="0">
-                <a:solidFill>
-                  <a:schemeClr val="lt1"/>
-                </a:solidFill>
-                <a:latin typeface="Courier"/>
-                <a:ea typeface="Courier"/>
-                <a:cs typeface="Courier"/>
-                <a:sym typeface="Courier New"/>
-              </a:rPr>
-              <a:t>'I </a:t>
-            </a:r>
-            <a:r>
               <a:rPr lang="en-US" sz="2800" i="0" u="none" strike="noStrike" cap="none" dirty="0">
                 <a:solidFill>
                   <a:schemeClr val="lt1"/>
@@ -6345,29 +6254,8 @@
                 <a:cs typeface="Courier"/>
                 <a:sym typeface="Courier New"/>
               </a:rPr>
-              <a:t>sleep all night and I work all day</a:t>
-            </a:r>
-            <a:r>
-              <a:rPr lang="en-US" sz="2800" i="0" u="none" strike="noStrike" cap="none" dirty="0" smtClean="0">
-                <a:solidFill>
-                  <a:schemeClr val="lt1"/>
-                </a:solidFill>
-                <a:latin typeface="Courier"/>
-                <a:ea typeface="Courier"/>
-                <a:cs typeface="Courier"/>
-                <a:sym typeface="Courier New"/>
-              </a:rPr>
-              <a:t>.')</a:t>
-            </a:r>
-            <a:endParaRPr lang="en-US" sz="2800" i="0" u="none" strike="noStrike" cap="none" dirty="0">
-              <a:solidFill>
-                <a:schemeClr val="lt1"/>
-              </a:solidFill>
-              <a:latin typeface="Courier"/>
-              <a:ea typeface="Courier"/>
-              <a:cs typeface="Courier"/>
-              <a:sym typeface="Courier New"/>
-            </a:endParaRPr>
+              <a:t>'I sleep all night and I work all day.')</a:t>
+            </a:r>
           </a:p>
           <a:p>
             <a:pPr marL="0" marR="0" lvl="0" indent="0" algn="ctr" rtl="0">
@@ -6411,7 +6299,7 @@
               <a:buNone/>
             </a:pPr>
             <a:r>
-              <a:rPr lang="en-US" sz="2800" i="0" u="none" strike="noStrike" cap="none" dirty="0" smtClean="0">
+              <a:rPr lang="en-US" sz="2800" i="0" u="none" strike="noStrike" cap="none" dirty="0">
                 <a:solidFill>
                   <a:srgbClr val="FFFF00"/>
                 </a:solidFill>
@@ -6435,7 +6323,7 @@
               <a:t>(</a:t>
             </a:r>
             <a:r>
-              <a:rPr lang="en-US" sz="2800" i="0" u="none" strike="noStrike" cap="none" dirty="0" smtClean="0">
+              <a:rPr lang="en-US" sz="2800" i="0" u="none" strike="noStrike" cap="none" dirty="0">
                 <a:solidFill>
                   <a:schemeClr val="lt1"/>
                 </a:solidFill>
@@ -6447,7 +6335,7 @@
               <a:t>'</a:t>
             </a:r>
             <a:r>
-              <a:rPr lang="en-US" sz="2800" i="0" u="none" strike="noStrike" cap="none" dirty="0" err="1" smtClean="0">
+              <a:rPr lang="en-US" sz="2800" i="0" u="none" strike="noStrike" cap="none" dirty="0" err="1">
                 <a:solidFill>
                   <a:schemeClr val="lt1"/>
                 </a:solidFill>
@@ -6459,7 +6347,7 @@
               <a:t>Yo</a:t>
             </a:r>
             <a:r>
-              <a:rPr lang="en-US" sz="2800" i="0" u="none" strike="noStrike" cap="none" dirty="0" smtClean="0">
+              <a:rPr lang="en-US" sz="2800" i="0" u="none" strike="noStrike" cap="none" dirty="0">
                 <a:solidFill>
                   <a:schemeClr val="lt1"/>
                 </a:solidFill>
@@ -6470,15 +6358,6 @@
               </a:rPr>
               <a:t>')</a:t>
             </a:r>
-            <a:endParaRPr lang="en-US" sz="2800" i="0" u="none" strike="noStrike" cap="none" dirty="0">
-              <a:solidFill>
-                <a:schemeClr val="lt1"/>
-              </a:solidFill>
-              <a:latin typeface="Courier"/>
-              <a:ea typeface="Courier"/>
-              <a:cs typeface="Courier"/>
-              <a:sym typeface="Courier New"/>
-            </a:endParaRPr>
           </a:p>
           <a:p>
             <a:pPr marL="0" marR="0" lvl="0" indent="0" algn="l" rtl="0">
@@ -6590,7 +6469,7 @@
               <a:buNone/>
             </a:pPr>
             <a:r>
-              <a:rPr lang="en-US" sz="2800" i="0" u="none" strike="noStrike" cap="none" dirty="0" smtClean="0">
+              <a:rPr lang="en-US" sz="2800" i="0" u="none" strike="noStrike" cap="none" dirty="0">
                 <a:solidFill>
                   <a:srgbClr val="FFFF00"/>
                 </a:solidFill>
@@ -6614,7 +6493,7 @@
               <a:t>(</a:t>
             </a:r>
             <a:r>
-              <a:rPr lang="en-US" sz="2800" i="0" u="none" strike="noStrike" cap="none" dirty="0" smtClean="0">
+              <a:rPr lang="en-US" sz="2800" i="0" u="none" strike="noStrike" cap="none" dirty="0">
                 <a:solidFill>
                   <a:srgbClr val="00FF00"/>
                 </a:solidFill>
@@ -6626,7 +6505,7 @@
               <a:t>x</a:t>
             </a:r>
             <a:r>
-              <a:rPr lang="en-US" sz="2800" i="0" u="none" strike="noStrike" cap="none" dirty="0" smtClean="0">
+              <a:rPr lang="en-US" sz="2800" i="0" u="none" strike="noStrike" cap="none" dirty="0">
                 <a:solidFill>
                   <a:schemeClr val="bg1"/>
                 </a:solidFill>
@@ -6637,15 +6516,6 @@
               </a:rPr>
               <a:t>)</a:t>
             </a:r>
-            <a:endParaRPr lang="en-US" sz="2800" i="0" u="none" strike="noStrike" cap="none" dirty="0">
-              <a:solidFill>
-                <a:schemeClr val="bg1"/>
-              </a:solidFill>
-              <a:latin typeface="Courier"/>
-              <a:ea typeface="Courier"/>
-              <a:cs typeface="Courier"/>
-              <a:sym typeface="Courier New"/>
-            </a:endParaRPr>
           </a:p>
         </p:txBody>
       </p:sp>
@@ -6838,7 +6708,7 @@
               <a:t>    </a:t>
             </a:r>
             <a:r>
-              <a:rPr lang="en-US" sz="2500" u="none" strike="noStrike" cap="none" dirty="0" smtClean="0">
+              <a:rPr lang="en-US" sz="2500" u="none" strike="noStrike" cap="none" dirty="0">
                 <a:solidFill>
                   <a:srgbClr val="FFFF00"/>
                 </a:solidFill>
@@ -6850,18 +6720,6 @@
               <a:t>print(</a:t>
             </a:r>
             <a:r>
-              <a:rPr lang="en-US" sz="2500" u="none" strike="noStrike" cap="none" dirty="0" smtClean="0">
-                <a:solidFill>
-                  <a:schemeClr val="lt1"/>
-                </a:solidFill>
-                <a:latin typeface="Arial" charset="0"/>
-                <a:ea typeface="Arial" charset="0"/>
-                <a:cs typeface="Arial" charset="0"/>
-                <a:sym typeface="Cabin"/>
-              </a:rPr>
-              <a:t>"</a:t>
-            </a:r>
-            <a:r>
               <a:rPr lang="en-US" sz="2500" u="none" strike="noStrike" cap="none" dirty="0">
                 <a:solidFill>
                   <a:schemeClr val="lt1"/>
@@ -6871,22 +6729,10 @@
                 <a:cs typeface="Arial" charset="0"/>
                 <a:sym typeface="Cabin"/>
               </a:rPr>
-              <a:t>I'm a lumberjack, and I'm okay</a:t>
-            </a:r>
-            <a:r>
-              <a:rPr lang="en-US" sz="2500" u="none" strike="noStrike" cap="none" dirty="0" smtClean="0">
-                <a:solidFill>
-                  <a:schemeClr val="lt1"/>
-                </a:solidFill>
-                <a:latin typeface="Arial" charset="0"/>
-                <a:ea typeface="Arial" charset="0"/>
-                <a:cs typeface="Arial" charset="0"/>
-                <a:sym typeface="Cabin"/>
-              </a:rPr>
-              <a:t>."</a:t>
-            </a:r>
-            <a:r>
-              <a:rPr lang="en-US" sz="2500" u="none" strike="noStrike" cap="none" dirty="0" smtClean="0">
+              <a:t>"I'm a lumberjack, and I'm okay."</a:t>
+            </a:r>
+            <a:r>
+              <a:rPr lang="en-US" sz="2500" u="none" strike="noStrike" cap="none" dirty="0">
                 <a:solidFill>
                   <a:srgbClr val="FFFF00"/>
                 </a:solidFill>
@@ -6898,7 +6744,7 @@
               <a:t>)</a:t>
             </a:r>
             <a:r>
-              <a:rPr lang="en-US" sz="2500" u="none" strike="noStrike" cap="none" dirty="0" smtClean="0">
+              <a:rPr lang="en-US" sz="2500" u="none" strike="noStrike" cap="none" dirty="0">
                 <a:solidFill>
                   <a:schemeClr val="lt1"/>
                 </a:solidFill>
@@ -6909,15 +6755,6 @@
               </a:rPr>
               <a:t>    </a:t>
             </a:r>
-            <a:endParaRPr lang="en-US" sz="2500" u="none" strike="noStrike" cap="none" dirty="0">
-              <a:solidFill>
-                <a:schemeClr val="lt1"/>
-              </a:solidFill>
-              <a:latin typeface="Arial" charset="0"/>
-              <a:ea typeface="Arial" charset="0"/>
-              <a:cs typeface="Arial" charset="0"/>
-              <a:sym typeface="Cabin"/>
-            </a:endParaRPr>
           </a:p>
           <a:p>
             <a:pPr marL="0" marR="0" lvl="0" indent="0" algn="l" rtl="0">
@@ -6950,7 +6787,7 @@
               <a:t>    </a:t>
             </a:r>
             <a:r>
-              <a:rPr lang="en-US" sz="2500" u="none" strike="noStrike" cap="none" dirty="0" smtClean="0">
+              <a:rPr lang="en-US" sz="2500" u="none" strike="noStrike" cap="none" dirty="0">
                 <a:solidFill>
                   <a:srgbClr val="FFFF00"/>
                 </a:solidFill>
@@ -6962,18 +6799,6 @@
               <a:t>print(</a:t>
             </a:r>
             <a:r>
-              <a:rPr lang="en-US" sz="2500" u="none" strike="noStrike" cap="none" dirty="0" smtClean="0">
-                <a:solidFill>
-                  <a:schemeClr val="lt1"/>
-                </a:solidFill>
-                <a:latin typeface="Arial" charset="0"/>
-                <a:ea typeface="Arial" charset="0"/>
-                <a:cs typeface="Arial" charset="0"/>
-                <a:sym typeface="Cabin"/>
-              </a:rPr>
-              <a:t>'I </a:t>
-            </a:r>
-            <a:r>
               <a:rPr lang="en-US" sz="2500" u="none" strike="noStrike" cap="none" dirty="0">
                 <a:solidFill>
                   <a:schemeClr val="lt1"/>
@@ -6983,22 +6808,10 @@
                 <a:cs typeface="Arial" charset="0"/>
                 <a:sym typeface="Cabin"/>
               </a:rPr>
-              <a:t>sleep all night and I work all day</a:t>
-            </a:r>
-            <a:r>
-              <a:rPr lang="en-US" sz="2500" u="none" strike="noStrike" cap="none" dirty="0" smtClean="0">
-                <a:solidFill>
-                  <a:schemeClr val="lt1"/>
-                </a:solidFill>
-                <a:latin typeface="Arial" charset="0"/>
-                <a:ea typeface="Arial" charset="0"/>
-                <a:cs typeface="Arial" charset="0"/>
-                <a:sym typeface="Cabin"/>
-              </a:rPr>
-              <a:t>.'</a:t>
-            </a:r>
-            <a:r>
-              <a:rPr lang="en-US" sz="2500" u="none" strike="noStrike" cap="none" dirty="0" smtClean="0">
+              <a:t>'I sleep all night and I work all day.'</a:t>
+            </a:r>
+            <a:r>
+              <a:rPr lang="en-US" sz="2500" u="none" strike="noStrike" cap="none" dirty="0">
                 <a:solidFill>
                   <a:srgbClr val="FFFF00"/>
                 </a:solidFill>
@@ -7009,15 +6822,6 @@
               </a:rPr>
               <a:t>)</a:t>
             </a:r>
-            <a:endParaRPr lang="en-US" sz="2500" u="none" strike="noStrike" cap="none" dirty="0">
-              <a:solidFill>
-                <a:srgbClr val="FFFF00"/>
-              </a:solidFill>
-              <a:latin typeface="Arial" charset="0"/>
-              <a:ea typeface="Arial" charset="0"/>
-              <a:cs typeface="Arial" charset="0"/>
-              <a:sym typeface="Cabin"/>
-            </a:endParaRPr>
           </a:p>
         </p:txBody>
       </p:sp>
@@ -7095,13 +6899,6 @@
   <p:clrMapOvr>
     <a:masterClrMapping/>
   </p:clrMapOvr>
-  <p:timing>
-    <p:tnLst>
-      <p:par>
-        <p:cTn xmlns:p14="http://schemas.microsoft.com/office/powerpoint/2010/main" id="1" dur="indefinite" restart="never" nodeType="tmRoot"/>
-      </p:par>
-    </p:tnLst>
-  </p:timing>
 </p:sld>
 </file>
 
@@ -7419,13 +7216,6 @@
   <p:clrMapOvr>
     <a:masterClrMapping/>
   </p:clrMapOvr>
-  <p:timing>
-    <p:tnLst>
-      <p:par>
-        <p:cTn xmlns:p14="http://schemas.microsoft.com/office/powerpoint/2010/main" id="1" dur="indefinite" restart="never" nodeType="tmRoot"/>
-      </p:par>
-    </p:tnLst>
-  </p:timing>
 </p:sld>
 </file>
 
@@ -7532,7 +7322,7 @@
               <a:buNone/>
             </a:pPr>
             <a:r>
-              <a:rPr lang="en-US" sz="3000" i="0" u="none" strike="noStrike" cap="none" dirty="0" smtClean="0">
+              <a:rPr lang="en-US" sz="3000" i="0" u="none" strike="noStrike" cap="none" dirty="0">
                 <a:solidFill>
                   <a:srgbClr val="FFFF00"/>
                 </a:solidFill>
@@ -7556,7 +7346,7 @@
               <a:t>(</a:t>
             </a:r>
             <a:r>
-              <a:rPr lang="en-US" sz="3000" i="0" u="none" strike="noStrike" cap="none" dirty="0" smtClean="0">
+              <a:rPr lang="en-US" sz="3000" i="0" u="none" strike="noStrike" cap="none" dirty="0">
                 <a:solidFill>
                   <a:schemeClr val="lt1"/>
                 </a:solidFill>
@@ -7567,15 +7357,6 @@
               </a:rPr>
               <a:t>'Hello')</a:t>
             </a:r>
-            <a:endParaRPr lang="en-US" sz="3000" i="0" u="none" strike="noStrike" cap="none" dirty="0">
-              <a:solidFill>
-                <a:schemeClr val="lt1"/>
-              </a:solidFill>
-              <a:latin typeface="Courier"/>
-              <a:ea typeface="Courier"/>
-              <a:cs typeface="Courier"/>
-              <a:sym typeface="Courier New"/>
-            </a:endParaRPr>
           </a:p>
           <a:p>
             <a:pPr marL="0" marR="0" lvl="0" indent="0" algn="ctr" rtl="0">
@@ -7698,7 +7479,7 @@
               <a:t>   </a:t>
             </a:r>
             <a:r>
-              <a:rPr lang="en-US" sz="3000" i="0" u="none" strike="noStrike" cap="none" dirty="0" smtClean="0">
+              <a:rPr lang="en-US" sz="3000" i="0" u="none" strike="noStrike" cap="none" dirty="0">
                 <a:solidFill>
                   <a:srgbClr val="FFFF00"/>
                 </a:solidFill>
@@ -7722,18 +7503,6 @@
               <a:t>(</a:t>
             </a:r>
             <a:r>
-              <a:rPr lang="en-US" sz="3000" i="0" u="none" strike="noStrike" cap="none" dirty="0" smtClean="0">
-                <a:solidFill>
-                  <a:schemeClr val="lt1"/>
-                </a:solidFill>
-                <a:latin typeface="Courier"/>
-                <a:ea typeface="Courier"/>
-                <a:cs typeface="Courier"/>
-                <a:sym typeface="Courier New"/>
-              </a:rPr>
-              <a:t>"I'm </a:t>
-            </a:r>
-            <a:r>
               <a:rPr lang="en-US" sz="3000" i="0" u="none" strike="noStrike" cap="none" dirty="0">
                 <a:solidFill>
                   <a:schemeClr val="lt1"/>
@@ -7743,22 +7512,10 @@
                 <a:cs typeface="Courier"/>
                 <a:sym typeface="Courier New"/>
               </a:rPr>
-              <a:t>a lumberjack, and I'm okay</a:t>
-            </a:r>
-            <a:r>
-              <a:rPr lang="en-US" sz="3000" i="0" u="none" strike="noStrike" cap="none" dirty="0" smtClean="0">
-                <a:solidFill>
-                  <a:schemeClr val="lt1"/>
-                </a:solidFill>
-                <a:latin typeface="Courier"/>
-                <a:ea typeface="Courier"/>
-                <a:cs typeface="Courier"/>
-                <a:sym typeface="Courier New"/>
-              </a:rPr>
-              <a:t>.</a:t>
-            </a:r>
-            <a:r>
-              <a:rPr lang="en-US" sz="3000" dirty="0" smtClean="0">
+              <a:t>"I'm a lumberjack, and I'm okay.</a:t>
+            </a:r>
+            <a:r>
+              <a:rPr lang="en-US" sz="3000" dirty="0">
                 <a:solidFill>
                   <a:schemeClr val="lt1"/>
                 </a:solidFill>
@@ -7769,15 +7526,6 @@
               </a:rPr>
               <a:t>")</a:t>
             </a:r>
-            <a:endParaRPr lang="en-US" sz="3000" dirty="0">
-              <a:solidFill>
-                <a:schemeClr val="lt1"/>
-              </a:solidFill>
-              <a:latin typeface="Courier"/>
-              <a:ea typeface="Courier"/>
-              <a:cs typeface="Courier"/>
-              <a:sym typeface="Courier New"/>
-            </a:endParaRPr>
           </a:p>
           <a:p>
             <a:pPr marL="0" marR="0" lvl="0" indent="0" algn="l" rtl="0">
@@ -7810,7 +7558,7 @@
               <a:t>   </a:t>
             </a:r>
             <a:r>
-              <a:rPr lang="en-US" sz="3000" i="0" u="none" strike="noStrike" cap="none" dirty="0" smtClean="0">
+              <a:rPr lang="en-US" sz="3000" i="0" u="none" strike="noStrike" cap="none" dirty="0">
                 <a:solidFill>
                   <a:srgbClr val="FFFF00"/>
                 </a:solidFill>
@@ -7834,18 +7582,6 @@
               <a:t>(</a:t>
             </a:r>
             <a:r>
-              <a:rPr lang="en-US" sz="3000" i="0" u="none" strike="noStrike" cap="none" dirty="0" smtClean="0">
-                <a:solidFill>
-                  <a:schemeClr val="lt1"/>
-                </a:solidFill>
-                <a:latin typeface="Courier"/>
-                <a:ea typeface="Courier"/>
-                <a:cs typeface="Courier"/>
-                <a:sym typeface="Courier New"/>
-              </a:rPr>
-              <a:t>'I </a:t>
-            </a:r>
-            <a:r>
               <a:rPr lang="en-US" sz="3000" i="0" u="none" strike="noStrike" cap="none" dirty="0">
                 <a:solidFill>
                   <a:schemeClr val="lt1"/>
@@ -7855,29 +7591,8 @@
                 <a:cs typeface="Courier"/>
                 <a:sym typeface="Courier New"/>
               </a:rPr>
-              <a:t>sleep all night and I work all day</a:t>
-            </a:r>
-            <a:r>
-              <a:rPr lang="en-US" sz="3000" i="0" u="none" strike="noStrike" cap="none" dirty="0" smtClean="0">
-                <a:solidFill>
-                  <a:schemeClr val="lt1"/>
-                </a:solidFill>
-                <a:latin typeface="Courier"/>
-                <a:ea typeface="Courier"/>
-                <a:cs typeface="Courier"/>
-                <a:sym typeface="Courier New"/>
-              </a:rPr>
-              <a:t>.')</a:t>
-            </a:r>
-            <a:endParaRPr lang="en-US" sz="3000" i="0" u="none" strike="noStrike" cap="none" dirty="0">
-              <a:solidFill>
-                <a:schemeClr val="lt1"/>
-              </a:solidFill>
-              <a:latin typeface="Courier"/>
-              <a:ea typeface="Courier"/>
-              <a:cs typeface="Courier"/>
-              <a:sym typeface="Courier New"/>
-            </a:endParaRPr>
+              <a:t>'I sleep all night and I work all day.')</a:t>
+            </a:r>
           </a:p>
           <a:p>
             <a:pPr marL="0" marR="0" lvl="0" indent="0" algn="ctr" rtl="0">
@@ -7921,7 +7636,7 @@
               <a:buNone/>
             </a:pPr>
             <a:r>
-              <a:rPr lang="en-US" sz="3000" i="0" u="none" strike="noStrike" cap="none" dirty="0" smtClean="0">
+              <a:rPr lang="en-US" sz="3000" i="0" u="none" strike="noStrike" cap="none" dirty="0">
                 <a:solidFill>
                   <a:srgbClr val="FFFF00"/>
                 </a:solidFill>
@@ -7945,7 +7660,7 @@
               <a:t>(</a:t>
             </a:r>
             <a:r>
-              <a:rPr lang="en-US" sz="3000" i="0" u="none" strike="noStrike" cap="none" dirty="0" smtClean="0">
+              <a:rPr lang="en-US" sz="3000" i="0" u="none" strike="noStrike" cap="none" dirty="0">
                 <a:solidFill>
                   <a:schemeClr val="lt1"/>
                 </a:solidFill>
@@ -7957,7 +7672,7 @@
               <a:t>'</a:t>
             </a:r>
             <a:r>
-              <a:rPr lang="en-US" sz="3000" i="0" u="none" strike="noStrike" cap="none" dirty="0" err="1" smtClean="0">
+              <a:rPr lang="en-US" sz="3000" i="0" u="none" strike="noStrike" cap="none" dirty="0" err="1">
                 <a:solidFill>
                   <a:schemeClr val="lt1"/>
                 </a:solidFill>
@@ -7969,7 +7684,7 @@
               <a:t>Yo</a:t>
             </a:r>
             <a:r>
-              <a:rPr lang="en-US" sz="3000" i="0" u="none" strike="noStrike" cap="none" dirty="0" smtClean="0">
+              <a:rPr lang="en-US" sz="3000" i="0" u="none" strike="noStrike" cap="none" dirty="0">
                 <a:solidFill>
                   <a:schemeClr val="lt1"/>
                 </a:solidFill>
@@ -7980,15 +7695,6 @@
               </a:rPr>
               <a:t>')</a:t>
             </a:r>
-            <a:endParaRPr lang="en-US" sz="3000" i="0" u="none" strike="noStrike" cap="none" dirty="0">
-              <a:solidFill>
-                <a:schemeClr val="lt1"/>
-              </a:solidFill>
-              <a:latin typeface="Courier"/>
-              <a:ea typeface="Courier"/>
-              <a:cs typeface="Courier"/>
-              <a:sym typeface="Courier New"/>
-            </a:endParaRPr>
           </a:p>
           <a:p>
             <a:pPr marL="0" marR="0" lvl="0" indent="0" algn="l" rtl="0">
@@ -8143,7 +7849,7 @@
               <a:buNone/>
             </a:pPr>
             <a:r>
-              <a:rPr lang="en-US" sz="3000" i="0" u="none" strike="noStrike" cap="none" dirty="0" smtClean="0">
+              <a:rPr lang="en-US" sz="3000" i="0" u="none" strike="noStrike" cap="none" dirty="0">
                 <a:solidFill>
                   <a:srgbClr val="FFFF00"/>
                 </a:solidFill>
@@ -8167,7 +7873,7 @@
               <a:t>(</a:t>
             </a:r>
             <a:r>
-              <a:rPr lang="en-US" sz="3000" i="0" u="none" strike="noStrike" cap="none" dirty="0" smtClean="0">
+              <a:rPr lang="en-US" sz="3000" i="0" u="none" strike="noStrike" cap="none" dirty="0">
                 <a:solidFill>
                   <a:srgbClr val="00FF00"/>
                 </a:solidFill>
@@ -8179,7 +7885,7 @@
               <a:t>x</a:t>
             </a:r>
             <a:r>
-              <a:rPr lang="en-US" sz="3000" i="0" u="none" strike="noStrike" cap="none" dirty="0" smtClean="0">
+              <a:rPr lang="en-US" sz="3000" i="0" u="none" strike="noStrike" cap="none" dirty="0">
                 <a:solidFill>
                   <a:schemeClr val="bg1"/>
                 </a:solidFill>
@@ -8190,15 +7896,6 @@
               </a:rPr>
               <a:t>)</a:t>
             </a:r>
-            <a:endParaRPr lang="en-US" sz="3000" i="0" u="none" strike="noStrike" cap="none" dirty="0">
-              <a:solidFill>
-                <a:schemeClr val="bg1"/>
-              </a:solidFill>
-              <a:latin typeface="Courier"/>
-              <a:ea typeface="Courier"/>
-              <a:cs typeface="Courier"/>
-              <a:sym typeface="Courier New"/>
-            </a:endParaRPr>
           </a:p>
         </p:txBody>
       </p:sp>
@@ -8423,13 +8120,6 @@
   <p:clrMapOvr>
     <a:masterClrMapping/>
   </p:clrMapOvr>
-  <p:timing>
-    <p:tnLst>
-      <p:par>
-        <p:cTn xmlns:p14="http://schemas.microsoft.com/office/powerpoint/2010/main" id="1" dur="indefinite" restart="never" nodeType="tmRoot"/>
-      </p:par>
-    </p:tnLst>
-  </p:timing>
 </p:sld>
 </file>
 
@@ -9055,13 +8745,6 @@
   <p:clrMapOvr>
     <a:masterClrMapping/>
   </p:clrMapOvr>
-  <p:timing>
-    <p:tnLst>
-      <p:par>
-        <p:cTn xmlns:p14="http://schemas.microsoft.com/office/powerpoint/2010/main" id="1" dur="indefinite" restart="never" nodeType="tmRoot"/>
-      </p:par>
-    </p:tnLst>
-  </p:timing>
 </p:sld>
 </file>
 
@@ -9700,7 +9383,7 @@
               <a:t>...        </a:t>
             </a:r>
             <a:r>
-              <a:rPr lang="en-US" sz="2600" i="0" u="none" strike="noStrike" cap="none" dirty="0" smtClean="0">
+              <a:rPr lang="en-US" sz="2600" i="0" u="none" strike="noStrike" cap="none" dirty="0">
                 <a:solidFill>
                   <a:srgbClr val="FFFF00"/>
                 </a:solidFill>
@@ -9724,7 +9407,7 @@
               <a:t>(</a:t>
             </a:r>
             <a:r>
-              <a:rPr lang="en-US" sz="2600" i="0" u="none" strike="noStrike" cap="none" dirty="0" smtClean="0">
+              <a:rPr lang="en-US" sz="2600" i="0" u="none" strike="noStrike" cap="none" dirty="0">
                 <a:solidFill>
                   <a:schemeClr val="lt1"/>
                 </a:solidFill>
@@ -9736,7 +9419,7 @@
               <a:t>'</a:t>
             </a:r>
             <a:r>
-              <a:rPr lang="en-US" sz="2600" i="0" u="none" strike="noStrike" cap="none" dirty="0" err="1" smtClean="0">
+              <a:rPr lang="en-US" sz="2600" i="0" u="none" strike="noStrike" cap="none" dirty="0" err="1">
                 <a:solidFill>
                   <a:schemeClr val="lt1"/>
                 </a:solidFill>
@@ -9748,7 +9431,7 @@
               <a:t>Hola</a:t>
             </a:r>
             <a:r>
-              <a:rPr lang="en-US" sz="2600" dirty="0" smtClean="0">
+              <a:rPr lang="en-US" sz="2600" dirty="0">
                 <a:solidFill>
                   <a:schemeClr val="lt1"/>
                 </a:solidFill>
@@ -9759,15 +9442,6 @@
               </a:rPr>
               <a:t>')</a:t>
             </a:r>
-            <a:endParaRPr lang="en-US" sz="2600" dirty="0">
-              <a:solidFill>
-                <a:schemeClr val="lt1"/>
-              </a:solidFill>
-              <a:latin typeface="Courier"/>
-              <a:ea typeface="Courier"/>
-              <a:cs typeface="Courier"/>
-              <a:sym typeface="Courier New"/>
-            </a:endParaRPr>
           </a:p>
           <a:p>
             <a:pPr marL="0" marR="0" lvl="0" indent="0" algn="l" rtl="0">
@@ -9903,7 +9577,7 @@
               <a:t>...        </a:t>
             </a:r>
             <a:r>
-              <a:rPr lang="en-US" sz="2600" i="0" u="none" strike="noStrike" cap="none" dirty="0" smtClean="0">
+              <a:rPr lang="en-US" sz="2600" i="0" u="none" strike="noStrike" cap="none" dirty="0">
                 <a:solidFill>
                   <a:srgbClr val="FFFF00"/>
                 </a:solidFill>
@@ -9927,7 +9601,7 @@
               <a:t>(</a:t>
             </a:r>
             <a:r>
-              <a:rPr lang="en-US" sz="2600" i="0" u="none" strike="noStrike" cap="none" dirty="0" smtClean="0">
+              <a:rPr lang="en-US" sz="2600" i="0" u="none" strike="noStrike" cap="none" dirty="0">
                 <a:solidFill>
                   <a:schemeClr val="lt1"/>
                 </a:solidFill>
@@ -9939,7 +9613,7 @@
               <a:t>'Bonjour</a:t>
             </a:r>
             <a:r>
-              <a:rPr lang="en-US" sz="2600" dirty="0" smtClean="0">
+              <a:rPr lang="en-US" sz="2600" dirty="0">
                 <a:solidFill>
                   <a:schemeClr val="lt1"/>
                 </a:solidFill>
@@ -9950,15 +9624,6 @@
               </a:rPr>
               <a:t>')</a:t>
             </a:r>
-            <a:endParaRPr lang="en-US" sz="2600" dirty="0">
-              <a:solidFill>
-                <a:schemeClr val="lt1"/>
-              </a:solidFill>
-              <a:latin typeface="Courier"/>
-              <a:ea typeface="Courier"/>
-              <a:cs typeface="Courier"/>
-              <a:sym typeface="Courier New"/>
-            </a:endParaRPr>
           </a:p>
           <a:p>
             <a:pPr marL="0" marR="0" lvl="0" indent="0" algn="l" rtl="0">
@@ -10043,19 +9708,7 @@
                 <a:cs typeface="Courier"/>
                 <a:sym typeface="Courier New"/>
               </a:rPr>
-              <a:t>   </a:t>
-            </a:r>
-            <a:r>
-              <a:rPr lang="en-US" sz="2600" i="0" u="none" strike="noStrike" cap="none" dirty="0" smtClean="0">
-                <a:solidFill>
-                  <a:srgbClr val="FFFF00"/>
-                </a:solidFill>
-                <a:latin typeface="Courier"/>
-                <a:ea typeface="Courier"/>
-                <a:cs typeface="Courier"/>
-                <a:sym typeface="Courier New"/>
-              </a:rPr>
-              <a:t>print</a:t>
+              <a:t>   print</a:t>
             </a:r>
             <a:r>
               <a:rPr lang="en-US" sz="2600" dirty="0">
@@ -10070,7 +9723,7 @@
               <a:t>(</a:t>
             </a:r>
             <a:r>
-              <a:rPr lang="en-US" sz="2600" i="0" u="none" strike="noStrike" cap="none" dirty="0" smtClean="0">
+              <a:rPr lang="en-US" sz="2600" i="0" u="none" strike="noStrike" cap="none" dirty="0">
                 <a:solidFill>
                   <a:schemeClr val="lt1"/>
                 </a:solidFill>
@@ -10082,7 +9735,7 @@
               <a:t>'Hello</a:t>
             </a:r>
             <a:r>
-              <a:rPr lang="en-US" sz="2600" dirty="0" smtClean="0">
+              <a:rPr lang="en-US" sz="2600" dirty="0">
                 <a:solidFill>
                   <a:schemeClr val="lt1"/>
                 </a:solidFill>
@@ -10093,15 +9746,6 @@
               </a:rPr>
               <a:t>')</a:t>
             </a:r>
-            <a:endParaRPr lang="en-US" sz="2600" dirty="0">
-              <a:solidFill>
-                <a:schemeClr val="lt1"/>
-              </a:solidFill>
-              <a:latin typeface="Courier"/>
-              <a:ea typeface="Courier"/>
-              <a:cs typeface="Courier"/>
-              <a:sym typeface="Courier New"/>
-            </a:endParaRPr>
           </a:p>
           <a:p>
             <a:pPr marL="0" marR="0" lvl="0" indent="0" algn="l" rtl="0">
@@ -10583,13 +10227,6 @@
   <p:clrMapOvr>
     <a:masterClrMapping/>
   </p:clrMapOvr>
-  <p:timing>
-    <p:tnLst>
-      <p:par>
-        <p:cTn xmlns:p14="http://schemas.microsoft.com/office/powerpoint/2010/main" id="1" dur="indefinite" restart="never" nodeType="tmRoot"/>
-      </p:par>
-    </p:tnLst>
-  </p:timing>
 </p:sld>
 </file>
 
@@ -11007,7 +10644,7 @@
               <a:buNone/>
             </a:pPr>
             <a:r>
-              <a:rPr lang="en-US" sz="3200" i="0" u="none" strike="noStrike" cap="none" dirty="0" smtClean="0">
+              <a:rPr lang="en-US" sz="3200" i="0" u="none" strike="noStrike" cap="none" dirty="0">
                 <a:solidFill>
                   <a:srgbClr val="FFFF00"/>
                 </a:solidFill>
@@ -11019,7 +10656,7 @@
               <a:t>print(</a:t>
             </a:r>
             <a:r>
-              <a:rPr lang="en-US" sz="3200" i="0" u="none" strike="noStrike" cap="none" dirty="0" smtClean="0">
+              <a:rPr lang="en-US" sz="3200" i="0" u="none" strike="noStrike" cap="none" dirty="0">
                 <a:solidFill>
                   <a:srgbClr val="FF00FF"/>
                 </a:solidFill>
@@ -11028,23 +10665,11 @@
                 <a:cs typeface="Courier"/>
                 <a:sym typeface="Courier New"/>
               </a:rPr>
-              <a:t>greet</a:t>
+              <a:t>greet()</a:t>
             </a:r>
             <a:r>
               <a:rPr lang="en-US" sz="3200" i="0" u="none" strike="noStrike" cap="none" dirty="0">
                 <a:solidFill>
-                  <a:srgbClr val="FF00FF"/>
-                </a:solidFill>
-                <a:latin typeface="Courier"/>
-                <a:ea typeface="Courier"/>
-                <a:cs typeface="Courier"/>
-                <a:sym typeface="Courier New"/>
-              </a:rPr>
-              <a:t>()</a:t>
-            </a:r>
-            <a:r>
-              <a:rPr lang="en-US" sz="3200" i="0" u="none" strike="noStrike" cap="none" dirty="0">
-                <a:solidFill>
                   <a:srgbClr val="FFFF00"/>
                 </a:solidFill>
                 <a:latin typeface="Courier"/>
@@ -11055,7 +10680,7 @@
               <a:t>, "Glenn</a:t>
             </a:r>
             <a:r>
-              <a:rPr lang="en-US" sz="3200" dirty="0" smtClean="0">
+              <a:rPr lang="en-US" sz="3200" dirty="0">
                 <a:solidFill>
                   <a:srgbClr val="FFFF00"/>
                 </a:solidFill>
@@ -11066,15 +10691,6 @@
               </a:rPr>
               <a:t>")</a:t>
             </a:r>
-            <a:endParaRPr lang="en-US" sz="3200" dirty="0">
-              <a:solidFill>
-                <a:srgbClr val="FFFF00"/>
-              </a:solidFill>
-              <a:latin typeface="Courier"/>
-              <a:ea typeface="Courier"/>
-              <a:cs typeface="Courier"/>
-              <a:sym typeface="Courier New"/>
-            </a:endParaRPr>
           </a:p>
           <a:p>
             <a:pPr marL="0" marR="0" lvl="0" indent="0" algn="l" rtl="0">
@@ -11095,7 +10711,7 @@
               <a:buNone/>
             </a:pPr>
             <a:r>
-              <a:rPr lang="en-US" sz="3200" i="0" u="none" strike="noStrike" cap="none" dirty="0" smtClean="0">
+              <a:rPr lang="en-US" sz="3200" i="0" u="none" strike="noStrike" cap="none" dirty="0">
                 <a:solidFill>
                   <a:srgbClr val="FFFF00"/>
                 </a:solidFill>
@@ -11107,7 +10723,7 @@
               <a:t>print(</a:t>
             </a:r>
             <a:r>
-              <a:rPr lang="en-US" sz="3200" i="0" u="none" strike="noStrike" cap="none" dirty="0" smtClean="0">
+              <a:rPr lang="en-US" sz="3200" i="0" u="none" strike="noStrike" cap="none" dirty="0">
                 <a:solidFill>
                   <a:srgbClr val="FF00FF"/>
                 </a:solidFill>
@@ -11116,23 +10732,11 @@
                 <a:cs typeface="Courier"/>
                 <a:sym typeface="Courier New"/>
               </a:rPr>
-              <a:t>greet</a:t>
+              <a:t>greet()</a:t>
             </a:r>
             <a:r>
               <a:rPr lang="en-US" sz="3200" i="0" u="none" strike="noStrike" cap="none" dirty="0">
                 <a:solidFill>
-                  <a:srgbClr val="FF00FF"/>
-                </a:solidFill>
-                <a:latin typeface="Courier"/>
-                <a:ea typeface="Courier"/>
-                <a:cs typeface="Courier"/>
-                <a:sym typeface="Courier New"/>
-              </a:rPr>
-              <a:t>()</a:t>
-            </a:r>
-            <a:r>
-              <a:rPr lang="en-US" sz="3200" i="0" u="none" strike="noStrike" cap="none" dirty="0">
-                <a:solidFill>
                   <a:srgbClr val="FFFF00"/>
                 </a:solidFill>
                 <a:latin typeface="Courier"/>
@@ -11140,29 +10744,8 @@
                 <a:cs typeface="Courier"/>
                 <a:sym typeface="Courier New"/>
               </a:rPr>
-              <a:t>, "Sally</a:t>
-            </a:r>
-            <a:r>
-              <a:rPr lang="en-US" sz="3200" i="0" u="none" strike="noStrike" cap="none" dirty="0" smtClean="0">
-                <a:solidFill>
-                  <a:srgbClr val="FFFF00"/>
-                </a:solidFill>
-                <a:latin typeface="Courier"/>
-                <a:ea typeface="Courier"/>
-                <a:cs typeface="Courier"/>
-                <a:sym typeface="Courier New"/>
-              </a:rPr>
-              <a:t>")</a:t>
-            </a:r>
-            <a:endParaRPr lang="en-US" sz="3200" i="0" u="none" strike="noStrike" cap="none" dirty="0">
-              <a:solidFill>
-                <a:srgbClr val="FFFF00"/>
-              </a:solidFill>
-              <a:latin typeface="Courier"/>
-              <a:ea typeface="Courier"/>
-              <a:cs typeface="Courier"/>
-              <a:sym typeface="Courier New"/>
-            </a:endParaRPr>
+              <a:t>, "Sally")</a:t>
+            </a:r>
           </a:p>
         </p:txBody>
       </p:sp>
@@ -11259,13 +10842,6 @@
   <p:clrMapOvr>
     <a:masterClrMapping/>
   </p:clrMapOvr>
-  <p:timing>
-    <p:tnLst>
-      <p:par>
-        <p:cTn xmlns:p14="http://schemas.microsoft.com/office/powerpoint/2010/main" id="1" dur="indefinite" restart="never" nodeType="tmRoot"/>
-      </p:par>
-    </p:tnLst>
-  </p:timing>
 </p:sld>
 </file>
 
@@ -12438,7 +12014,7 @@
               <a:t>&gt;&gt;&gt; </a:t>
             </a:r>
             <a:r>
-              <a:rPr lang="en-US" sz="2500" i="0" u="none" strike="noStrike" cap="none" dirty="0" smtClean="0">
+              <a:rPr lang="en-US" sz="2500" i="0" u="none" strike="noStrike" cap="none" dirty="0">
                 <a:solidFill>
                   <a:srgbClr val="FFFF00"/>
                 </a:solidFill>
@@ -12462,7 +12038,7 @@
               <a:t>(</a:t>
             </a:r>
             <a:r>
-              <a:rPr lang="en-US" sz="2500" i="0" u="none" strike="noStrike" cap="none" dirty="0" smtClean="0">
+              <a:rPr lang="en-US" sz="2500" i="0" u="none" strike="noStrike" cap="none" dirty="0">
                 <a:solidFill>
                   <a:srgbClr val="00FF00"/>
                 </a:solidFill>
@@ -12534,7 +12110,7 @@
               <a:t>),'Glenn</a:t>
             </a:r>
             <a:r>
-              <a:rPr lang="en-US" sz="2500" dirty="0" smtClean="0">
+              <a:rPr lang="en-US" sz="2500" dirty="0">
                 <a:solidFill>
                   <a:schemeClr val="lt1"/>
                 </a:solidFill>
@@ -12545,15 +12121,6 @@
               </a:rPr>
               <a:t>')</a:t>
             </a:r>
-            <a:endParaRPr lang="en-US" sz="2500" dirty="0">
-              <a:solidFill>
-                <a:schemeClr val="lt1"/>
-              </a:solidFill>
-              <a:latin typeface="Courier"/>
-              <a:ea typeface="Courier"/>
-              <a:cs typeface="Courier"/>
-              <a:sym typeface="Courier New"/>
-            </a:endParaRPr>
           </a:p>
           <a:p>
             <a:pPr marL="0" marR="0" lvl="0" indent="0" algn="l" rtl="0">
@@ -12617,7 +12184,7 @@
               <a:t>&gt;&gt;&gt; </a:t>
             </a:r>
             <a:r>
-              <a:rPr lang="en-US" sz="2500" i="0" u="none" strike="noStrike" cap="none" dirty="0" smtClean="0">
+              <a:rPr lang="en-US" sz="2500" i="0" u="none" strike="noStrike" cap="none" dirty="0">
                 <a:solidFill>
                   <a:srgbClr val="FFFF00"/>
                 </a:solidFill>
@@ -12641,7 +12208,7 @@
               <a:t>(</a:t>
             </a:r>
             <a:r>
-              <a:rPr lang="en-US" sz="2500" i="0" u="none" strike="noStrike" cap="none" dirty="0" smtClean="0">
+              <a:rPr lang="en-US" sz="2500" i="0" u="none" strike="noStrike" cap="none" dirty="0">
                 <a:solidFill>
                   <a:srgbClr val="00FF00"/>
                 </a:solidFill>
@@ -12713,7 +12280,7 @@
               <a:t>),'Sally</a:t>
             </a:r>
             <a:r>
-              <a:rPr lang="en-US" sz="2500" dirty="0" smtClean="0">
+              <a:rPr lang="en-US" sz="2500" dirty="0">
                 <a:solidFill>
                   <a:schemeClr val="lt1"/>
                 </a:solidFill>
@@ -12724,15 +12291,6 @@
               </a:rPr>
               <a:t>')</a:t>
             </a:r>
-            <a:endParaRPr lang="en-US" sz="2500" dirty="0">
-              <a:solidFill>
-                <a:schemeClr val="lt1"/>
-              </a:solidFill>
-              <a:latin typeface="Courier"/>
-              <a:ea typeface="Courier"/>
-              <a:cs typeface="Courier"/>
-              <a:sym typeface="Courier New"/>
-            </a:endParaRPr>
           </a:p>
           <a:p>
             <a:pPr marL="0" marR="0" lvl="0" indent="0" algn="l" rtl="0">
@@ -12808,7 +12366,7 @@
               <a:t>&gt;&gt;&gt; </a:t>
             </a:r>
             <a:r>
-              <a:rPr lang="en-US" sz="2500" i="0" u="none" strike="noStrike" cap="none" dirty="0" smtClean="0">
+              <a:rPr lang="en-US" sz="2500" i="0" u="none" strike="noStrike" cap="none" dirty="0">
                 <a:solidFill>
                   <a:srgbClr val="FFFF00"/>
                 </a:solidFill>
@@ -12832,7 +12390,7 @@
               <a:t>(</a:t>
             </a:r>
             <a:r>
-              <a:rPr lang="en-US" sz="2500" i="0" u="none" strike="noStrike" cap="none" dirty="0" smtClean="0">
+              <a:rPr lang="en-US" sz="2500" i="0" u="none" strike="noStrike" cap="none" dirty="0">
                 <a:solidFill>
                   <a:srgbClr val="00FF00"/>
                 </a:solidFill>
@@ -12904,7 +12462,7 @@
               <a:t>),'Michael</a:t>
             </a:r>
             <a:r>
-              <a:rPr lang="en-US" sz="2500" dirty="0" smtClean="0">
+              <a:rPr lang="en-US" sz="2500" dirty="0">
                 <a:solidFill>
                   <a:schemeClr val="lt1"/>
                 </a:solidFill>
@@ -12915,15 +12473,6 @@
               </a:rPr>
               <a:t>')</a:t>
             </a:r>
-            <a:endParaRPr lang="en-US" sz="2500" dirty="0">
-              <a:solidFill>
-                <a:schemeClr val="lt1"/>
-              </a:solidFill>
-              <a:latin typeface="Courier"/>
-              <a:ea typeface="Courier"/>
-              <a:cs typeface="Courier"/>
-              <a:sym typeface="Courier New"/>
-            </a:endParaRPr>
           </a:p>
           <a:p>
             <a:pPr marL="0" marR="0" lvl="0" indent="0" algn="l" rtl="0">
@@ -12994,13 +12543,6 @@
   <p:clrMapOvr>
     <a:masterClrMapping/>
   </p:clrMapOvr>
-  <p:timing>
-    <p:tnLst>
-      <p:par>
-        <p:cTn xmlns:p14="http://schemas.microsoft.com/office/powerpoint/2010/main" id="1" dur="indefinite" restart="never" nodeType="tmRoot"/>
-      </p:par>
-    </p:tnLst>
-  </p:timing>
 </p:sld>
 </file>
 
@@ -13193,7 +12735,7 @@
               <a:buNone/>
             </a:pPr>
             <a:r>
-              <a:rPr lang="en-US" sz="3000" i="0" u="none" strike="noStrike" cap="none" dirty="0" smtClean="0">
+              <a:rPr lang="en-US" sz="3000" i="0" u="none" strike="noStrike" cap="none" dirty="0">
                 <a:solidFill>
                   <a:schemeClr val="lt1"/>
                 </a:solidFill>
@@ -13205,7 +12747,7 @@
               <a:t>&gt;&gt;&gt; </a:t>
             </a:r>
             <a:r>
-              <a:rPr lang="en-US" sz="3000" i="0" u="none" strike="noStrike" cap="none" dirty="0" smtClean="0">
+              <a:rPr lang="en-US" sz="3000" i="0" u="none" strike="noStrike" cap="none" dirty="0">
                 <a:solidFill>
                   <a:srgbClr val="00FF00"/>
                 </a:solidFill>
@@ -13217,7 +12759,7 @@
               <a:t>big</a:t>
             </a:r>
             <a:r>
-              <a:rPr lang="en-US" sz="3000" i="0" u="none" strike="noStrike" cap="none" dirty="0" smtClean="0">
+              <a:rPr lang="en-US" sz="3000" i="0" u="none" strike="noStrike" cap="none" dirty="0">
                 <a:solidFill>
                   <a:schemeClr val="lt1"/>
                 </a:solidFill>
@@ -13229,7 +12771,7 @@
               <a:t> = </a:t>
             </a:r>
             <a:r>
-              <a:rPr lang="en-US" sz="3000" i="0" u="none" strike="noStrike" cap="none" dirty="0" smtClean="0">
+              <a:rPr lang="en-US" sz="3000" i="0" u="none" strike="noStrike" cap="none" dirty="0">
                 <a:solidFill>
                   <a:srgbClr val="FF00FF"/>
                 </a:solidFill>
@@ -13241,7 +12783,7 @@
               <a:t>max</a:t>
             </a:r>
             <a:r>
-              <a:rPr lang="en-US" sz="3000" i="0" u="none" strike="noStrike" cap="none" dirty="0" smtClean="0">
+              <a:rPr lang="en-US" sz="3000" i="0" u="none" strike="noStrike" cap="none" dirty="0">
                 <a:solidFill>
                   <a:schemeClr val="lt1"/>
                 </a:solidFill>
@@ -13253,7 +12795,7 @@
               <a:t>(</a:t>
             </a:r>
             <a:r>
-              <a:rPr lang="en-US" sz="3000" i="0" u="none" strike="noStrike" cap="none" dirty="0" smtClean="0">
+              <a:rPr lang="en-US" sz="3000" i="0" u="none" strike="noStrike" cap="none" dirty="0">
                 <a:solidFill>
                   <a:srgbClr val="00FF00"/>
                 </a:solidFill>
@@ -13265,7 +12807,7 @@
               <a:t>'Hello world'</a:t>
             </a:r>
             <a:r>
-              <a:rPr lang="en-US" sz="3000" i="0" u="none" strike="noStrike" cap="none" dirty="0" smtClean="0">
+              <a:rPr lang="en-US" sz="3000" i="0" u="none" strike="noStrike" cap="none" dirty="0">
                 <a:solidFill>
                   <a:schemeClr val="lt1"/>
                 </a:solidFill>
@@ -13296,7 +12838,7 @@
               <a:buNone/>
             </a:pPr>
             <a:r>
-              <a:rPr lang="en-US" sz="3000" i="0" u="none" strike="noStrike" cap="none" dirty="0" smtClean="0">
+              <a:rPr lang="en-US" sz="3000" i="0" u="none" strike="noStrike" cap="none" dirty="0">
                 <a:solidFill>
                   <a:schemeClr val="lt1"/>
                 </a:solidFill>
@@ -13308,7 +12850,7 @@
               <a:t>&gt;&gt;&gt; </a:t>
             </a:r>
             <a:r>
-              <a:rPr lang="en-US" sz="3000" i="0" u="none" strike="noStrike" cap="none" dirty="0" smtClean="0">
+              <a:rPr lang="en-US" sz="3000" i="0" u="none" strike="noStrike" cap="none" dirty="0">
                 <a:solidFill>
                   <a:srgbClr val="FFFF00"/>
                 </a:solidFill>
@@ -13320,7 +12862,7 @@
               <a:t>print</a:t>
             </a:r>
             <a:r>
-              <a:rPr lang="en-US" sz="3000" dirty="0" smtClean="0">
+              <a:rPr lang="en-US" sz="3000" dirty="0">
                 <a:solidFill>
                   <a:schemeClr val="lt1"/>
                 </a:solidFill>
@@ -13332,7 +12874,7 @@
               <a:t>(</a:t>
             </a:r>
             <a:r>
-              <a:rPr lang="en-US" sz="3000" i="0" u="none" strike="noStrike" cap="none" dirty="0" smtClean="0">
+              <a:rPr lang="en-US" sz="3000" i="0" u="none" strike="noStrike" cap="none" dirty="0">
                 <a:solidFill>
                   <a:srgbClr val="00FF00"/>
                 </a:solidFill>
@@ -13344,7 +12886,7 @@
               <a:t>big</a:t>
             </a:r>
             <a:r>
-              <a:rPr lang="en-US" sz="3000" i="0" u="none" strike="noStrike" cap="none" dirty="0" smtClean="0">
+              <a:rPr lang="en-US" sz="3000" i="0" u="none" strike="noStrike" cap="none" dirty="0">
                 <a:solidFill>
                   <a:schemeClr val="bg1"/>
                 </a:solidFill>
@@ -13375,7 +12917,7 @@
               <a:buNone/>
             </a:pPr>
             <a:r>
-              <a:rPr lang="en-US" sz="3000" i="0" u="none" strike="noStrike" cap="none" dirty="0" smtClean="0">
+              <a:rPr lang="en-US" sz="3000" i="0" u="none" strike="noStrike" cap="none" dirty="0">
                 <a:solidFill>
                   <a:srgbClr val="00FF00"/>
                 </a:solidFill>
@@ -13386,15 +12928,6 @@
               </a:rPr>
               <a:t>w</a:t>
             </a:r>
-            <a:endParaRPr lang="en-US" sz="3000" i="0" u="none" strike="noStrike" cap="none" dirty="0">
-              <a:solidFill>
-                <a:srgbClr val="00FF00"/>
-              </a:solidFill>
-              <a:latin typeface="Courier"/>
-              <a:ea typeface="Courier"/>
-              <a:cs typeface="Courier"/>
-              <a:sym typeface="Courier New"/>
-            </a:endParaRPr>
           </a:p>
         </p:txBody>
       </p:sp>
@@ -13648,7 +13181,7 @@
               <a:t> </a:t>
             </a:r>
             <a:r>
-              <a:rPr lang="en-US" sz="2400" i="0" u="none" strike="noStrike" cap="none" dirty="0" err="1" smtClean="0">
+              <a:rPr lang="en-US" sz="2400" i="0" u="none" strike="noStrike" cap="none" dirty="0" err="1">
                 <a:solidFill>
                   <a:srgbClr val="00FDFF"/>
                 </a:solidFill>
@@ -13660,7 +13193,7 @@
               <a:t>inp</a:t>
             </a:r>
             <a:r>
-              <a:rPr lang="en-US" sz="2400" i="0" u="none" strike="noStrike" cap="none" dirty="0" smtClean="0">
+              <a:rPr lang="en-US" sz="2400" i="0" u="none" strike="noStrike" cap="none" dirty="0">
                 <a:solidFill>
                   <a:schemeClr val="lt1"/>
                 </a:solidFill>
@@ -13671,15 +13204,6 @@
               </a:rPr>
               <a:t>:</a:t>
             </a:r>
-            <a:endParaRPr lang="en-US" sz="2400" i="0" u="none" strike="noStrike" cap="none" dirty="0">
-              <a:solidFill>
-                <a:schemeClr val="lt1"/>
-              </a:solidFill>
-              <a:latin typeface="Courier"/>
-              <a:ea typeface="Courier"/>
-              <a:cs typeface="Courier"/>
-              <a:sym typeface="Courier New"/>
-            </a:endParaRPr>
           </a:p>
           <a:p>
             <a:pPr marL="0" marR="0" lvl="0" indent="0" algn="l" rtl="0">
@@ -14288,13 +13812,6 @@
   <p:clrMapOvr>
     <a:masterClrMapping/>
   </p:clrMapOvr>
-  <p:timing>
-    <p:tnLst>
-      <p:par>
-        <p:cTn xmlns:p14="http://schemas.microsoft.com/office/powerpoint/2010/main" id="1" dur="indefinite" restart="never" nodeType="tmRoot"/>
-      </p:par>
-    </p:tnLst>
-  </p:timing>
 </p:sld>
 </file>
 
@@ -14759,7 +14276,7 @@
               <a:t>    </a:t>
             </a:r>
             <a:r>
-              <a:rPr lang="en-US" sz="2500" i="0" u="none" strike="noStrike" cap="none" dirty="0" smtClean="0">
+              <a:rPr lang="en-US" sz="2500" i="0" u="none" strike="noStrike" cap="none" dirty="0">
                 <a:solidFill>
                   <a:srgbClr val="FFFF00"/>
                 </a:solidFill>
@@ -14783,7 +14300,7 @@
               <a:t>(</a:t>
             </a:r>
             <a:r>
-              <a:rPr lang="en-US" sz="2500" i="0" u="none" strike="noStrike" cap="none" dirty="0" smtClean="0">
+              <a:rPr lang="en-US" sz="2500" i="0" u="none" strike="noStrike" cap="none" dirty="0">
                 <a:solidFill>
                   <a:srgbClr val="FF7F00"/>
                 </a:solidFill>
@@ -14795,7 +14312,7 @@
               <a:t>'Hello</a:t>
             </a:r>
             <a:r>
-              <a:rPr lang="en-US" sz="2500" dirty="0" smtClean="0">
+              <a:rPr lang="en-US" sz="2500" dirty="0">
                 <a:solidFill>
                   <a:srgbClr val="FF7F00"/>
                 </a:solidFill>
@@ -14806,15 +14323,6 @@
               </a:rPr>
               <a:t>')</a:t>
             </a:r>
-            <a:endParaRPr lang="en-US" sz="2500" dirty="0">
-              <a:solidFill>
-                <a:srgbClr val="FF7F00"/>
-              </a:solidFill>
-              <a:latin typeface="Courier"/>
-              <a:ea typeface="Courier"/>
-              <a:cs typeface="Courier"/>
-              <a:sym typeface="Courier New"/>
-            </a:endParaRPr>
           </a:p>
           <a:p>
             <a:pPr marL="0" marR="0" lvl="0" indent="0" algn="l" rtl="0">
@@ -14847,7 +14355,7 @@
               <a:t>    </a:t>
             </a:r>
             <a:r>
-              <a:rPr lang="en-US" sz="2500" i="0" u="none" strike="noStrike" cap="none" dirty="0" smtClean="0">
+              <a:rPr lang="en-US" sz="2500" i="0" u="none" strike="noStrike" cap="none" dirty="0">
                 <a:solidFill>
                   <a:srgbClr val="FFFF00"/>
                 </a:solidFill>
@@ -14871,7 +14379,7 @@
               <a:t>(</a:t>
             </a:r>
             <a:r>
-              <a:rPr lang="en-US" sz="2500" i="0" u="none" strike="noStrike" cap="none" dirty="0" smtClean="0">
+              <a:rPr lang="en-US" sz="2500" i="0" u="none" strike="noStrike" cap="none" dirty="0">
                 <a:solidFill>
                   <a:srgbClr val="FF7F00"/>
                 </a:solidFill>
@@ -14883,7 +14391,7 @@
               <a:t>'Fun</a:t>
             </a:r>
             <a:r>
-              <a:rPr lang="en-US" sz="2500" dirty="0" smtClean="0">
+              <a:rPr lang="en-US" sz="2500" dirty="0">
                 <a:solidFill>
                   <a:srgbClr val="FF7F00"/>
                 </a:solidFill>
@@ -14894,15 +14402,6 @@
               </a:rPr>
               <a:t>')</a:t>
             </a:r>
-            <a:endParaRPr lang="en-US" sz="2500" dirty="0">
-              <a:solidFill>
-                <a:srgbClr val="FF7F00"/>
-              </a:solidFill>
-              <a:latin typeface="Courier"/>
-              <a:ea typeface="Courier"/>
-              <a:cs typeface="Courier"/>
-              <a:sym typeface="Courier New"/>
-            </a:endParaRPr>
           </a:p>
           <a:p>
             <a:pPr marL="0" marR="0" lvl="0" indent="0" algn="l" rtl="0">
@@ -14985,7 +14484,7 @@
               <a:buNone/>
             </a:pPr>
             <a:r>
-              <a:rPr lang="en-US" sz="2500" i="0" u="none" strike="noStrike" cap="none" dirty="0" smtClean="0">
+              <a:rPr lang="en-US" sz="2500" i="0" u="none" strike="noStrike" cap="none" dirty="0">
                 <a:solidFill>
                   <a:srgbClr val="FFFF00"/>
                 </a:solidFill>
@@ -15009,7 +14508,7 @@
               <a:t>(</a:t>
             </a:r>
             <a:r>
-              <a:rPr lang="en-US" sz="2500" i="0" u="none" strike="noStrike" cap="none" dirty="0" smtClean="0">
+              <a:rPr lang="en-US" sz="2500" i="0" u="none" strike="noStrike" cap="none" dirty="0">
                 <a:solidFill>
                   <a:srgbClr val="FF7F00"/>
                 </a:solidFill>
@@ -15021,7 +14520,7 @@
               <a:t>'Zip</a:t>
             </a:r>
             <a:r>
-              <a:rPr lang="en-US" sz="2500" dirty="0" smtClean="0">
+              <a:rPr lang="en-US" sz="2500" dirty="0">
                 <a:solidFill>
                   <a:srgbClr val="FF7F00"/>
                 </a:solidFill>
@@ -15032,15 +14531,6 @@
               </a:rPr>
               <a:t>')</a:t>
             </a:r>
-            <a:endParaRPr lang="en-US" sz="2500" dirty="0">
-              <a:solidFill>
-                <a:srgbClr val="FF7F00"/>
-              </a:solidFill>
-              <a:latin typeface="Courier"/>
-              <a:ea typeface="Courier"/>
-              <a:cs typeface="Courier"/>
-              <a:sym typeface="Courier New"/>
-            </a:endParaRPr>
           </a:p>
           <a:p>
             <a:pPr marL="0" marR="0" lvl="0" indent="0" algn="l" rtl="0">
@@ -15277,7 +14767,7 @@
               <a:t>  </a:t>
             </a:r>
             <a:r>
-              <a:rPr lang="en-US" sz="3500" u="none" strike="noStrike" cap="none" dirty="0" smtClean="0">
+              <a:rPr lang="en-US" sz="3500" u="none" strike="noStrike" cap="none" dirty="0">
                 <a:solidFill>
                   <a:srgbClr val="FFFF00"/>
                 </a:solidFill>
@@ -15301,7 +14791,7 @@
               <a:t>(</a:t>
             </a:r>
             <a:r>
-              <a:rPr lang="en-US" sz="3500" u="none" strike="noStrike" cap="none" dirty="0" smtClean="0">
+              <a:rPr lang="en-US" sz="3500" u="none" strike="noStrike" cap="none" dirty="0">
                 <a:solidFill>
                   <a:schemeClr val="lt1"/>
                 </a:solidFill>
@@ -15312,25 +14802,16 @@
               </a:rPr>
               <a:t>'Hello')</a:t>
             </a:r>
-            <a:endParaRPr lang="en-US" sz="3500" u="none" strike="noStrike" cap="none" dirty="0">
-              <a:solidFill>
+          </a:p>
+          <a:p>
+            <a:pPr lvl="0" algn="ctr">
+              <a:buClr>
                 <a:schemeClr val="lt1"/>
-              </a:solidFill>
-              <a:latin typeface="Arial" charset="0"/>
-              <a:ea typeface="Arial" charset="0"/>
-              <a:cs typeface="Arial" charset="0"/>
-              <a:sym typeface="Cabin"/>
-            </a:endParaRPr>
-          </a:p>
-          <a:p>
-            <a:pPr lvl="0" algn="ctr">
-              <a:buClr>
-                <a:schemeClr val="lt1"/>
               </a:buClr>
               <a:buSzPct val="25000"/>
             </a:pPr>
             <a:r>
-              <a:rPr lang="en-US" sz="3500" dirty="0" smtClean="0">
+              <a:rPr lang="en-US" sz="3500" dirty="0">
                 <a:solidFill>
                   <a:srgbClr val="FFFF00"/>
                 </a:solidFill>
@@ -15342,18 +14823,6 @@
               <a:t>print</a:t>
             </a:r>
             <a:r>
-              <a:rPr lang="en-US" sz="3500" dirty="0" smtClean="0">
-                <a:solidFill>
-                  <a:schemeClr val="lt1"/>
-                </a:solidFill>
-                <a:latin typeface="Arial" charset="0"/>
-                <a:ea typeface="Arial" charset="0"/>
-                <a:cs typeface="Arial" charset="0"/>
-                <a:sym typeface="Cabin"/>
-              </a:rPr>
-              <a:t>(</a:t>
-            </a:r>
-            <a:r>
               <a:rPr lang="en-US" sz="3500" dirty="0">
                 <a:solidFill>
                   <a:schemeClr val="lt1"/>
@@ -15363,53 +14832,8 @@
                 <a:cs typeface="Arial" charset="0"/>
                 <a:sym typeface="Cabin"/>
               </a:rPr>
-              <a:t>'</a:t>
-            </a:r>
-            <a:r>
-              <a:rPr lang="en-US" sz="3500" dirty="0" smtClean="0">
-                <a:solidFill>
-                  <a:schemeClr val="lt1"/>
-                </a:solidFill>
-                <a:latin typeface="Arial" charset="0"/>
-                <a:ea typeface="Arial" charset="0"/>
-                <a:cs typeface="Arial" charset="0"/>
-                <a:sym typeface="Cabin"/>
-              </a:rPr>
-              <a:t>Fun</a:t>
-            </a:r>
-            <a:r>
-              <a:rPr lang="en-US" sz="3500" dirty="0">
-                <a:solidFill>
-                  <a:schemeClr val="lt1"/>
-                </a:solidFill>
-                <a:latin typeface="Arial" charset="0"/>
-                <a:ea typeface="Arial" charset="0"/>
-                <a:cs typeface="Arial" charset="0"/>
-                <a:sym typeface="Cabin"/>
-              </a:rPr>
-              <a:t>'</a:t>
-            </a:r>
-            <a:r>
-              <a:rPr lang="en-US" sz="3500" dirty="0" smtClean="0">
-                <a:solidFill>
-                  <a:schemeClr val="lt1"/>
-                </a:solidFill>
-                <a:latin typeface="Arial" charset="0"/>
-                <a:ea typeface="Arial" charset="0"/>
-                <a:cs typeface="Arial" charset="0"/>
-                <a:sym typeface="Cabin"/>
-              </a:rPr>
-              <a:t>)</a:t>
-            </a:r>
-            <a:endParaRPr lang="en-US" sz="3500" dirty="0">
-              <a:solidFill>
-                <a:schemeClr val="lt1"/>
-              </a:solidFill>
-              <a:latin typeface="Arial" charset="0"/>
-              <a:ea typeface="Arial" charset="0"/>
-              <a:cs typeface="Arial" charset="0"/>
-              <a:sym typeface="Cabin"/>
-            </a:endParaRPr>
+              <a:t>('Fun')</a:t>
+            </a:r>
           </a:p>
         </p:txBody>
       </p:sp>
@@ -15900,7 +15324,7 @@
               <a:buNone/>
             </a:pPr>
             <a:r>
-              <a:rPr lang="en-US" sz="3500" u="none" strike="noStrike" cap="none" dirty="0" smtClean="0">
+              <a:rPr lang="en-US" sz="3500" u="none" strike="noStrike" cap="none" dirty="0">
                 <a:solidFill>
                   <a:srgbClr val="FFFF00"/>
                 </a:solidFill>
@@ -15912,7 +15336,7 @@
               <a:t>print(</a:t>
             </a:r>
             <a:r>
-              <a:rPr lang="en-US" sz="3500" dirty="0" smtClean="0">
+              <a:rPr lang="en-US" sz="3500" dirty="0">
                 <a:solidFill>
                   <a:schemeClr val="lt1"/>
                 </a:solidFill>
@@ -15924,7 +15348,7 @@
               <a:t>'</a:t>
             </a:r>
             <a:r>
-              <a:rPr lang="en-US" sz="3500" u="none" strike="noStrike" cap="none" dirty="0" smtClean="0">
+              <a:rPr lang="en-US" sz="3500" u="none" strike="noStrike" cap="none" dirty="0">
                 <a:solidFill>
                   <a:schemeClr val="lt1"/>
                 </a:solidFill>
@@ -15936,7 +15360,7 @@
               <a:t>Zip</a:t>
             </a:r>
             <a:r>
-              <a:rPr lang="en-US" sz="3500" dirty="0" smtClean="0">
+              <a:rPr lang="en-US" sz="3500" dirty="0">
                 <a:solidFill>
                   <a:schemeClr val="lt1"/>
                 </a:solidFill>
@@ -15948,7 +15372,7 @@
               <a:t>'</a:t>
             </a:r>
             <a:r>
-              <a:rPr lang="en-US" sz="3500" dirty="0" smtClean="0">
+              <a:rPr lang="en-US" sz="3500" dirty="0">
                 <a:solidFill>
                   <a:srgbClr val="FFFF00"/>
                 </a:solidFill>
@@ -15959,15 +15383,6 @@
               </a:rPr>
               <a:t>)</a:t>
             </a:r>
-            <a:endParaRPr lang="en-US" sz="3500" dirty="0">
-              <a:solidFill>
-                <a:srgbClr val="FFFF00"/>
-              </a:solidFill>
-              <a:latin typeface="Arial" charset="0"/>
-              <a:ea typeface="Arial" charset="0"/>
-              <a:cs typeface="Arial" charset="0"/>
-              <a:sym typeface="Cabin"/>
-            </a:endParaRPr>
           </a:p>
         </p:txBody>
       </p:sp>
@@ -15976,13 +15391,6 @@
   <p:clrMapOvr>
     <a:masterClrMapping/>
   </p:clrMapOvr>
-  <p:timing>
-    <p:tnLst>
-      <p:par>
-        <p:cTn xmlns:p14="http://schemas.microsoft.com/office/powerpoint/2010/main" id="1" dur="indefinite" restart="never" nodeType="tmRoot"/>
-      </p:par>
-    </p:tnLst>
-  </p:timing>
 </p:sld>
 </file>
 
@@ -16665,7 +16073,7 @@
               <a:buNone/>
             </a:pPr>
             <a:r>
-              <a:rPr lang="en-US" sz="3000" i="0" u="none" strike="noStrike" cap="none" dirty="0" smtClean="0">
+              <a:rPr lang="en-US" sz="3000" i="0" u="none" strike="noStrike" cap="none" dirty="0">
                 <a:solidFill>
                   <a:srgbClr val="FFFF00"/>
                 </a:solidFill>
@@ -16677,7 +16085,7 @@
               <a:t>print</a:t>
             </a:r>
             <a:r>
-              <a:rPr lang="en-US" sz="3000" dirty="0" smtClean="0">
+              <a:rPr lang="en-US" sz="3000" dirty="0">
                 <a:solidFill>
                   <a:schemeClr val="lt1"/>
                 </a:solidFill>
@@ -16689,7 +16097,7 @@
               <a:t>(</a:t>
             </a:r>
             <a:r>
-              <a:rPr lang="en-US" sz="3000" i="0" u="none" strike="noStrike" cap="none" dirty="0" smtClean="0">
+              <a:rPr lang="en-US" sz="3000" i="0" u="none" strike="noStrike" cap="none" dirty="0">
                 <a:solidFill>
                   <a:schemeClr val="lt1"/>
                 </a:solidFill>
@@ -16767,13 +16175,6 @@
   <p:clrMapOvr>
     <a:masterClrMapping/>
   </p:clrMapOvr>
-  <p:timing>
-    <p:tnLst>
-      <p:par>
-        <p:cTn xmlns:p14="http://schemas.microsoft.com/office/powerpoint/2010/main" id="1" dur="indefinite" restart="never" nodeType="tmRoot"/>
-      </p:par>
-    </p:tnLst>
-  </p:timing>
 </p:sld>
 </file>
 
@@ -17119,13 +16520,6 @@
   <p:clrMapOvr>
     <a:masterClrMapping/>
   </p:clrMapOvr>
-  <p:timing>
-    <p:tnLst>
-      <p:par>
-        <p:cTn xmlns:p14="http://schemas.microsoft.com/office/powerpoint/2010/main" id="1" dur="indefinite" restart="never" nodeType="tmRoot"/>
-      </p:par>
-    </p:tnLst>
-  </p:timing>
 </p:sld>
 </file>
 
@@ -17466,13 +16860,6 @@
   <p:clrMapOvr>
     <a:masterClrMapping/>
   </p:clrMapOvr>
-  <p:timing>
-    <p:tnLst>
-      <p:par>
-        <p:cTn xmlns:p14="http://schemas.microsoft.com/office/powerpoint/2010/main" id="1" dur="indefinite" restart="never" nodeType="tmRoot"/>
-      </p:par>
-    </p:tnLst>
-  </p:timing>
 </p:sld>
 </file>
 
@@ -17540,7 +16927,7 @@
               <a:buNone/>
             </a:pPr>
             <a:r>
-              <a:rPr lang="en-US" sz="7600" u="none" strike="noStrike" cap="none" dirty="0" smtClean="0">
+              <a:rPr lang="en-US" sz="7600" u="none" strike="noStrike" cap="none" dirty="0">
                 <a:solidFill>
                   <a:srgbClr val="FFD966"/>
                 </a:solidFill>
@@ -17551,15 +16938,6 @@
               </a:rPr>
               <a:t>Summary</a:t>
             </a:r>
-            <a:endParaRPr lang="en-US" sz="7600" u="none" strike="noStrike" cap="none" dirty="0">
-              <a:solidFill>
-                <a:srgbClr val="FFD966"/>
-              </a:solidFill>
-              <a:latin typeface="Arial" charset="0"/>
-              <a:ea typeface="Arial" charset="0"/>
-              <a:cs typeface="Arial" charset="0"/>
-              <a:sym typeface="Cabin"/>
-            </a:endParaRPr>
           </a:p>
         </p:txBody>
       </p:sp>
@@ -17610,7 +16988,7 @@
               <a:buChar char="•"/>
             </a:pPr>
             <a:r>
-              <a:rPr lang="en-US" sz="3600" dirty="0" smtClean="0">
+              <a:rPr lang="en-US" sz="3600" dirty="0">
                 <a:solidFill>
                   <a:schemeClr val="lt1"/>
                 </a:solidFill>
@@ -17641,7 +17019,7 @@
               <a:buChar char="•"/>
             </a:pPr>
             <a:r>
-              <a:rPr lang="en-US" sz="3600" dirty="0" smtClean="0">
+              <a:rPr lang="en-US" sz="3600" dirty="0">
                 <a:solidFill>
                   <a:schemeClr val="lt1"/>
                 </a:solidFill>
@@ -17672,7 +17050,7 @@
               <a:buChar char="•"/>
             </a:pPr>
             <a:r>
-              <a:rPr lang="en-US" sz="3600" dirty="0" smtClean="0">
+              <a:rPr lang="en-US" sz="3600" dirty="0">
                 <a:solidFill>
                   <a:schemeClr val="lt1"/>
                 </a:solidFill>
@@ -17703,7 +17081,7 @@
               <a:buChar char="•"/>
             </a:pPr>
             <a:r>
-              <a:rPr lang="en-US" sz="3600" dirty="0" smtClean="0">
+              <a:rPr lang="en-US" sz="3600" dirty="0">
                 <a:solidFill>
                   <a:schemeClr val="lt1"/>
                 </a:solidFill>
@@ -17714,15 +17092,6 @@
               </a:rPr>
               <a:t>Why use functions?</a:t>
             </a:r>
-            <a:endParaRPr lang="en-US" sz="3600" dirty="0">
-              <a:solidFill>
-                <a:schemeClr val="lt1"/>
-              </a:solidFill>
-              <a:latin typeface="Arial" charset="0"/>
-              <a:ea typeface="Arial" charset="0"/>
-              <a:cs typeface="Arial" charset="0"/>
-              <a:sym typeface="Cabin"/>
-            </a:endParaRPr>
           </a:p>
         </p:txBody>
       </p:sp>
@@ -17943,13 +17312,6 @@
   <p:clrMapOvr>
     <a:masterClrMapping/>
   </p:clrMapOvr>
-  <p:timing>
-    <p:tnLst>
-      <p:par>
-        <p:cTn xmlns:p14="http://schemas.microsoft.com/office/powerpoint/2010/main" id="1" dur="indefinite" restart="never" nodeType="tmRoot"/>
-      </p:par>
-    </p:tnLst>
-  </p:timing>
 </p:sld>
 </file>
 
@@ -18230,15 +17592,6 @@
               </a:rPr>
               <a:t> </a:t>
             </a:r>
-            <a:endParaRPr lang="en-US" sz="3800" u="none" strike="noStrike" cap="none" dirty="0" smtClean="0">
-              <a:solidFill>
-                <a:schemeClr val="lt1"/>
-              </a:solidFill>
-              <a:latin typeface="Arial" charset="0"/>
-              <a:ea typeface="Arial" charset="0"/>
-              <a:cs typeface="Arial" charset="0"/>
-              <a:sym typeface="Cabin"/>
-            </a:endParaRPr>
           </a:p>
           <a:p>
             <a:pPr marL="0" marR="0" lvl="0" indent="0" algn="l" rtl="0">
@@ -18363,13 +17716,6 @@
   <p:clrMapOvr>
     <a:masterClrMapping/>
   </p:clrMapOvr>
-  <p:timing>
-    <p:tnLst>
-      <p:par>
-        <p:cTn xmlns:p14="http://schemas.microsoft.com/office/powerpoint/2010/main" id="1" dur="indefinite" restart="never" nodeType="tmRoot"/>
-      </p:par>
-    </p:tnLst>
-  </p:timing>
 </p:sld>
 </file>
 
@@ -18873,7 +18219,7 @@
               <a:t> that are provided as part of Python - </a:t>
             </a:r>
             <a:r>
-              <a:rPr lang="en-US" sz="3600" dirty="0" smtClean="0">
+              <a:rPr lang="en-US" sz="3600" dirty="0">
                 <a:solidFill>
                   <a:srgbClr val="FFFFFF"/>
                 </a:solidFill>
@@ -18885,7 +18231,7 @@
               <a:t>print(), </a:t>
             </a:r>
             <a:r>
-              <a:rPr lang="en-US" sz="3600" u="none" strike="noStrike" cap="none" dirty="0" smtClean="0">
+              <a:rPr lang="en-US" sz="3600" u="none" strike="noStrike" cap="none" dirty="0">
                 <a:solidFill>
                   <a:srgbClr val="FFFFFF"/>
                 </a:solidFill>
@@ -18894,19 +18240,7 @@
                 <a:cs typeface="Arial" charset="0"/>
                 <a:sym typeface="Cabin"/>
               </a:rPr>
-              <a:t>input</a:t>
-            </a:r>
-            <a:r>
-              <a:rPr lang="en-US" sz="3600" u="none" strike="noStrike" cap="none" dirty="0">
-                <a:solidFill>
-                  <a:srgbClr val="FFFFFF"/>
-                </a:solidFill>
-                <a:latin typeface="Arial" charset="0"/>
-                <a:ea typeface="Arial" charset="0"/>
-                <a:cs typeface="Arial" charset="0"/>
-                <a:sym typeface="Cabin"/>
-              </a:rPr>
-              <a:t>(), type(), float(), </a:t>
+              <a:t>input(), type(), float(), </a:t>
             </a:r>
             <a:r>
               <a:rPr lang="en-US" sz="3600" u="none" strike="noStrike" cap="none" dirty="0" err="1">
@@ -19144,13 +18478,6 @@
   <p:clrMapOvr>
     <a:masterClrMapping/>
   </p:clrMapOvr>
-  <p:timing>
-    <p:tnLst>
-      <p:par>
-        <p:cTn xmlns:p14="http://schemas.microsoft.com/office/powerpoint/2010/main" id="1" dur="indefinite" restart="never" nodeType="tmRoot"/>
-      </p:par>
-    </p:tnLst>
-  </p:timing>
 </p:sld>
 </file>
 
@@ -19520,13 +18847,6 @@
   <p:clrMapOvr>
     <a:masterClrMapping/>
   </p:clrMapOvr>
-  <p:timing>
-    <p:tnLst>
-      <p:par>
-        <p:cTn xmlns:p14="http://schemas.microsoft.com/office/powerpoint/2010/main" id="1" dur="indefinite" restart="never" nodeType="tmRoot"/>
-      </p:par>
-    </p:tnLst>
-  </p:timing>
 </p:sld>
 </file>
 
@@ -19681,7 +19001,7 @@
               <a:t>&gt;&gt;&gt; </a:t>
             </a:r>
             <a:r>
-              <a:rPr lang="en-US" sz="3000" i="0" u="none" strike="noStrike" cap="none" dirty="0" smtClean="0">
+              <a:rPr lang="en-US" sz="3000" i="0" u="none" strike="noStrike" cap="none" dirty="0">
                 <a:solidFill>
                   <a:srgbClr val="FFFF00"/>
                 </a:solidFill>
@@ -19693,7 +19013,7 @@
               <a:t>print</a:t>
             </a:r>
             <a:r>
-              <a:rPr lang="en-US" sz="3000" dirty="0" smtClean="0">
+              <a:rPr lang="en-US" sz="3000" dirty="0">
                 <a:solidFill>
                   <a:schemeClr val="lt1"/>
                 </a:solidFill>
@@ -19705,7 +19025,7 @@
               <a:t>(</a:t>
             </a:r>
             <a:r>
-              <a:rPr lang="en-US" sz="3000" i="0" u="none" strike="noStrike" cap="none" dirty="0" smtClean="0">
+              <a:rPr lang="en-US" sz="3000" i="0" u="none" strike="noStrike" cap="none" dirty="0">
                 <a:solidFill>
                   <a:srgbClr val="00FF00"/>
                 </a:solidFill>
@@ -19717,7 +19037,7 @@
               <a:t>big</a:t>
             </a:r>
             <a:r>
-              <a:rPr lang="en-US" sz="3000" i="0" u="none" strike="noStrike" cap="none" dirty="0" smtClean="0">
+              <a:rPr lang="en-US" sz="3000" i="0" u="none" strike="noStrike" cap="none" dirty="0">
                 <a:solidFill>
                   <a:schemeClr val="bg1"/>
                 </a:solidFill>
@@ -19728,15 +19048,6 @@
               </a:rPr>
               <a:t>)</a:t>
             </a:r>
-            <a:endParaRPr lang="en-US" sz="3000" i="0" u="none" strike="noStrike" cap="none" dirty="0">
-              <a:solidFill>
-                <a:schemeClr val="bg1"/>
-              </a:solidFill>
-              <a:latin typeface="Courier"/>
-              <a:ea typeface="Courier"/>
-              <a:cs typeface="Courier"/>
-              <a:sym typeface="Courier New"/>
-            </a:endParaRPr>
           </a:p>
           <a:p>
             <a:pPr marL="0" marR="0" lvl="0" indent="0" algn="l" rtl="0">
@@ -19879,7 +19190,7 @@
               <a:t>&gt;&gt;&gt; </a:t>
             </a:r>
             <a:r>
-              <a:rPr lang="en-US" sz="3000" i="0" u="none" strike="noStrike" cap="none" dirty="0" smtClean="0">
+              <a:rPr lang="en-US" sz="3000" i="0" u="none" strike="noStrike" cap="none" dirty="0">
                 <a:solidFill>
                   <a:srgbClr val="FFFF00"/>
                 </a:solidFill>
@@ -19891,7 +19202,7 @@
               <a:t>print</a:t>
             </a:r>
             <a:r>
-              <a:rPr lang="en-US" sz="3000" dirty="0" smtClean="0">
+              <a:rPr lang="en-US" sz="3000" dirty="0">
                 <a:solidFill>
                   <a:schemeClr val="lt1"/>
                 </a:solidFill>
@@ -19903,7 +19214,7 @@
               <a:t>(</a:t>
             </a:r>
             <a:r>
-              <a:rPr lang="en-US" sz="3000" i="0" u="none" strike="noStrike" cap="none" dirty="0" smtClean="0">
+              <a:rPr lang="en-US" sz="3000" i="0" u="none" strike="noStrike" cap="none" dirty="0">
                 <a:solidFill>
                   <a:srgbClr val="00FF00"/>
                 </a:solidFill>
@@ -19915,7 +19226,7 @@
               <a:t>tiny</a:t>
             </a:r>
             <a:r>
-              <a:rPr lang="en-US" sz="3000" i="0" u="none" strike="noStrike" cap="none" dirty="0" smtClean="0">
+              <a:rPr lang="en-US" sz="3000" i="0" u="none" strike="noStrike" cap="none" dirty="0">
                 <a:solidFill>
                   <a:schemeClr val="bg1"/>
                 </a:solidFill>
@@ -19926,15 +19237,6 @@
               </a:rPr>
               <a:t>)</a:t>
             </a:r>
-            <a:endParaRPr lang="en-US" sz="3000" i="0" u="none" strike="noStrike" cap="none" dirty="0">
-              <a:solidFill>
-                <a:schemeClr val="bg1"/>
-              </a:solidFill>
-              <a:latin typeface="Courier"/>
-              <a:ea typeface="Courier"/>
-              <a:cs typeface="Courier"/>
-              <a:sym typeface="Courier New"/>
-            </a:endParaRPr>
           </a:p>
           <a:p>
             <a:pPr marL="0" marR="0" lvl="0" indent="0" algn="l" rtl="0">
@@ -20452,13 +19754,6 @@
   <p:clrMapOvr>
     <a:masterClrMapping/>
   </p:clrMapOvr>
-  <p:timing>
-    <p:tnLst>
-      <p:par>
-        <p:cTn xmlns:p14="http://schemas.microsoft.com/office/powerpoint/2010/main" id="1" dur="indefinite" restart="never" nodeType="tmRoot"/>
-      </p:par>
-    </p:tnLst>
-  </p:timing>
 </p:sld>
 </file>
 
@@ -20670,7 +19965,7 @@
               <a:t>&gt;&gt;&gt; </a:t>
             </a:r>
             <a:r>
-              <a:rPr lang="en-US" sz="3000" i="0" u="none" strike="noStrike" cap="none" dirty="0" smtClean="0">
+              <a:rPr lang="en-US" sz="3000" i="0" u="none" strike="noStrike" cap="none" dirty="0">
                 <a:solidFill>
                   <a:srgbClr val="FFFF00"/>
                 </a:solidFill>
@@ -20682,7 +19977,7 @@
               <a:t>print</a:t>
             </a:r>
             <a:r>
-              <a:rPr lang="en-US" sz="3000" dirty="0" smtClean="0">
+              <a:rPr lang="en-US" sz="3000" dirty="0">
                 <a:solidFill>
                   <a:schemeClr val="lt1"/>
                 </a:solidFill>
@@ -20694,7 +19989,7 @@
               <a:t>(</a:t>
             </a:r>
             <a:r>
-              <a:rPr lang="en-US" sz="3000" i="0" u="none" strike="noStrike" cap="none" dirty="0" smtClean="0">
+              <a:rPr lang="en-US" sz="3000" i="0" u="none" strike="noStrike" cap="none" dirty="0">
                 <a:solidFill>
                   <a:srgbClr val="00FF00"/>
                 </a:solidFill>
@@ -20706,7 +20001,7 @@
               <a:t>big</a:t>
             </a:r>
             <a:r>
-              <a:rPr lang="en-US" sz="3000" i="0" u="none" strike="noStrike" cap="none" dirty="0" smtClean="0">
+              <a:rPr lang="en-US" sz="3000" i="0" u="none" strike="noStrike" cap="none" dirty="0">
                 <a:solidFill>
                   <a:schemeClr val="bg1"/>
                 </a:solidFill>
@@ -20717,15 +20012,6 @@
               </a:rPr>
               <a:t>)</a:t>
             </a:r>
-            <a:endParaRPr lang="en-US" sz="3000" i="0" u="none" strike="noStrike" cap="none" dirty="0">
-              <a:solidFill>
-                <a:schemeClr val="bg1"/>
-              </a:solidFill>
-              <a:latin typeface="Courier"/>
-              <a:ea typeface="Courier"/>
-              <a:cs typeface="Courier"/>
-              <a:sym typeface="Courier New"/>
-            </a:endParaRPr>
           </a:p>
           <a:p>
             <a:pPr marL="0" marR="0" lvl="0" indent="0" algn="l" rtl="0">
@@ -21341,13 +20627,6 @@
   <p:clrMapOvr>
     <a:masterClrMapping/>
   </p:clrMapOvr>
-  <p:timing>
-    <p:tnLst>
-      <p:par>
-        <p:cTn xmlns:p14="http://schemas.microsoft.com/office/powerpoint/2010/main" id="1" dur="indefinite" restart="never" nodeType="tmRoot"/>
-      </p:par>
-    </p:tnLst>
-  </p:timing>
 </p:sld>
 </file>
 
@@ -21559,7 +20838,7 @@
               <a:t>&gt;&gt;&gt; </a:t>
             </a:r>
             <a:r>
-              <a:rPr lang="en-US" sz="3000" i="0" u="none" strike="noStrike" cap="none" dirty="0" smtClean="0">
+              <a:rPr lang="en-US" sz="3000" i="0" u="none" strike="noStrike" cap="none" dirty="0">
                 <a:solidFill>
                   <a:srgbClr val="FFFF00"/>
                 </a:solidFill>
@@ -21571,7 +20850,7 @@
               <a:t>print</a:t>
             </a:r>
             <a:r>
-              <a:rPr lang="en-US" sz="3000" i="0" u="none" strike="noStrike" cap="none" dirty="0" smtClean="0">
+              <a:rPr lang="en-US" sz="3000" i="0" u="none" strike="noStrike" cap="none" dirty="0">
                 <a:solidFill>
                   <a:schemeClr val="lt1"/>
                 </a:solidFill>
@@ -21583,7 +20862,7 @@
               <a:t>(</a:t>
             </a:r>
             <a:r>
-              <a:rPr lang="en-US" sz="3000" i="0" u="none" strike="noStrike" cap="none" dirty="0" smtClean="0">
+              <a:rPr lang="en-US" sz="3000" i="0" u="none" strike="noStrike" cap="none" dirty="0">
                 <a:solidFill>
                   <a:srgbClr val="00FF00"/>
                 </a:solidFill>
@@ -21595,7 +20874,7 @@
               <a:t>big</a:t>
             </a:r>
             <a:r>
-              <a:rPr lang="en-US" sz="3000" i="0" u="none" strike="noStrike" cap="none" dirty="0" smtClean="0">
+              <a:rPr lang="en-US" sz="3000" i="0" u="none" strike="noStrike" cap="none" dirty="0">
                 <a:solidFill>
                   <a:schemeClr val="bg1"/>
                 </a:solidFill>
@@ -21606,15 +20885,6 @@
               </a:rPr>
               <a:t>)</a:t>
             </a:r>
-            <a:endParaRPr lang="en-US" sz="3000" i="0" u="none" strike="noStrike" cap="none" dirty="0">
-              <a:solidFill>
-                <a:schemeClr val="bg1"/>
-              </a:solidFill>
-              <a:latin typeface="Courier"/>
-              <a:ea typeface="Courier"/>
-              <a:cs typeface="Courier"/>
-              <a:sym typeface="Courier New"/>
-            </a:endParaRPr>
           </a:p>
           <a:p>
             <a:pPr marL="0" marR="0" lvl="0" indent="0" algn="l" rtl="0">
@@ -21635,7 +20905,7 @@
               <a:buNone/>
             </a:pPr>
             <a:r>
-              <a:rPr lang="en-US" sz="3000" i="0" u="none" strike="noStrike" cap="none" dirty="0" smtClean="0">
+              <a:rPr lang="en-US" sz="3000" i="0" u="none" strike="noStrike" cap="none" dirty="0">
                 <a:solidFill>
                   <a:schemeClr val="lt1"/>
                 </a:solidFill>
@@ -21646,15 +20916,6 @@
               </a:rPr>
               <a:t>w</a:t>
             </a:r>
-            <a:endParaRPr lang="en-US" sz="3000" i="0" u="none" strike="noStrike" cap="none" dirty="0">
-              <a:solidFill>
-                <a:schemeClr val="lt1"/>
-              </a:solidFill>
-              <a:latin typeface="Courier"/>
-              <a:ea typeface="Courier"/>
-              <a:cs typeface="Courier"/>
-              <a:sym typeface="Courier New"/>
-            </a:endParaRPr>
           </a:p>
         </p:txBody>
       </p:sp>
@@ -21864,7 +21125,7 @@
               <a:t> </a:t>
             </a:r>
             <a:r>
-              <a:rPr lang="en-US" sz="2400" dirty="0" err="1" smtClean="0">
+              <a:rPr lang="en-US" sz="2400" dirty="0" err="1">
                 <a:solidFill>
                   <a:srgbClr val="00FDFF"/>
                 </a:solidFill>
@@ -21876,7 +21137,7 @@
               <a:t>inp</a:t>
             </a:r>
             <a:r>
-              <a:rPr lang="en-US" sz="2400" dirty="0" smtClean="0">
+              <a:rPr lang="en-US" sz="2400" dirty="0">
                 <a:solidFill>
                   <a:schemeClr val="lt1"/>
                 </a:solidFill>
@@ -21887,15 +21148,6 @@
               </a:rPr>
               <a:t>:</a:t>
             </a:r>
-            <a:endParaRPr lang="en-US" sz="2400" dirty="0">
-              <a:solidFill>
-                <a:schemeClr val="lt1"/>
-              </a:solidFill>
-              <a:latin typeface="Courier"/>
-              <a:ea typeface="Courier"/>
-              <a:cs typeface="Courier"/>
-              <a:sym typeface="Courier New"/>
-            </a:endParaRPr>
           </a:p>
           <a:p>
             <a:pPr lvl="0">
@@ -22431,13 +21683,6 @@
   <p:clrMapOvr>
     <a:masterClrMapping/>
   </p:clrMapOvr>
-  <p:timing>
-    <p:tnLst>
-      <p:par>
-        <p:cTn xmlns:p14="http://schemas.microsoft.com/office/powerpoint/2010/main" id="1" dur="indefinite" restart="never" nodeType="tmRoot"/>
-      </p:par>
-    </p:tnLst>
-  </p:timing>
 </p:sld>
 </file>
 
@@ -22723,7 +21968,7 @@
               <a:t>&gt;&gt;&gt; </a:t>
             </a:r>
             <a:r>
-              <a:rPr lang="en-US" sz="2800" i="0" u="none" strike="noStrike" cap="none" dirty="0" smtClean="0">
+              <a:rPr lang="en-US" sz="2800" i="0" u="none" strike="noStrike" cap="none" dirty="0">
                 <a:solidFill>
                   <a:srgbClr val="FFFF00"/>
                 </a:solidFill>
@@ -22735,7 +21980,7 @@
               <a:t>print(</a:t>
             </a:r>
             <a:r>
-              <a:rPr lang="en-US" sz="2800" i="0" u="none" strike="noStrike" cap="none" dirty="0" smtClean="0">
+              <a:rPr lang="en-US" sz="2800" i="0" u="none" strike="noStrike" cap="none" dirty="0">
                 <a:solidFill>
                   <a:srgbClr val="FF00FF"/>
                 </a:solidFill>
@@ -22747,18 +21992,6 @@
               <a:t>float</a:t>
             </a:r>
             <a:r>
-              <a:rPr lang="en-US" sz="2800" i="0" u="none" strike="noStrike" cap="none" dirty="0" smtClean="0">
-                <a:solidFill>
-                  <a:schemeClr val="lt1"/>
-                </a:solidFill>
-                <a:latin typeface="Courier"/>
-                <a:ea typeface="Courier"/>
-                <a:cs typeface="Courier"/>
-                <a:sym typeface="Courier New"/>
-              </a:rPr>
-              <a:t>(99</a:t>
-            </a:r>
-            <a:r>
               <a:rPr lang="en-US" sz="2800" i="0" u="none" strike="noStrike" cap="none" dirty="0">
                 <a:solidFill>
                   <a:schemeClr val="lt1"/>
@@ -22768,7 +22001,7 @@
                 <a:cs typeface="Courier"/>
                 <a:sym typeface="Courier New"/>
               </a:rPr>
-              <a:t>) </a:t>
+              <a:t>(99) </a:t>
             </a:r>
             <a:r>
               <a:rPr lang="en-US" sz="2800" i="0" u="none" strike="noStrike" cap="none" dirty="0">
@@ -22792,22 +22025,10 @@
                 <a:cs typeface="Courier"/>
                 <a:sym typeface="Courier New"/>
               </a:rPr>
-              <a:t> </a:t>
-            </a:r>
-            <a:r>
-              <a:rPr lang="en-US" sz="2800" i="0" u="none" strike="noStrike" cap="none" dirty="0" smtClean="0">
-                <a:solidFill>
-                  <a:schemeClr val="lt1"/>
-                </a:solidFill>
-                <a:latin typeface="Courier"/>
-                <a:ea typeface="Courier"/>
-                <a:cs typeface="Courier"/>
-                <a:sym typeface="Courier New"/>
-              </a:rPr>
-              <a:t>100</a:t>
-            </a:r>
-            <a:r>
-              <a:rPr lang="en-US" sz="2800" dirty="0" smtClean="0">
+              <a:t> 100</a:t>
+            </a:r>
+            <a:r>
+              <a:rPr lang="en-US" sz="2800" dirty="0">
                 <a:solidFill>
                   <a:srgbClr val="FFFF00"/>
                 </a:solidFill>
@@ -23012,7 +22233,7 @@
               <a:buNone/>
             </a:pPr>
             <a:r>
-              <a:rPr lang="en-US" sz="2800" i="0" u="none" strike="noStrike" cap="none" dirty="0" smtClean="0">
+              <a:rPr lang="en-US" sz="2800" i="0" u="none" strike="noStrike" cap="none" dirty="0">
                 <a:solidFill>
                   <a:schemeClr val="lt1"/>
                 </a:solidFill>
@@ -23024,7 +22245,7 @@
               <a:t>&lt;class '</a:t>
             </a:r>
             <a:r>
-              <a:rPr lang="en-US" sz="2800" i="0" u="none" strike="noStrike" cap="none" dirty="0" err="1" smtClean="0">
+              <a:rPr lang="en-US" sz="2800" i="0" u="none" strike="noStrike" cap="none" dirty="0" err="1">
                 <a:solidFill>
                   <a:schemeClr val="lt1"/>
                 </a:solidFill>
@@ -23158,7 +22379,7 @@
               <a:t>&gt;&gt;&gt; </a:t>
             </a:r>
             <a:r>
-              <a:rPr lang="en-US" sz="2800" i="0" u="none" strike="noStrike" cap="none" dirty="0" smtClean="0">
+              <a:rPr lang="en-US" sz="2800" i="0" u="none" strike="noStrike" cap="none" dirty="0">
                 <a:solidFill>
                   <a:srgbClr val="FFFF00"/>
                 </a:solidFill>
@@ -23170,7 +22391,7 @@
               <a:t>print</a:t>
             </a:r>
             <a:r>
-              <a:rPr lang="en-US" sz="2800" dirty="0" smtClean="0">
+              <a:rPr lang="en-US" sz="2800" dirty="0">
                 <a:solidFill>
                   <a:schemeClr val="lt1"/>
                 </a:solidFill>
@@ -23182,7 +22403,7 @@
               <a:t>(</a:t>
             </a:r>
             <a:r>
-              <a:rPr lang="en-US" sz="2800" i="0" u="none" strike="noStrike" cap="none" dirty="0" smtClean="0">
+              <a:rPr lang="en-US" sz="2800" i="0" u="none" strike="noStrike" cap="none" dirty="0">
                 <a:solidFill>
                   <a:schemeClr val="lt1"/>
                 </a:solidFill>
@@ -23193,15 +22414,6 @@
               </a:rPr>
               <a:t>f)</a:t>
             </a:r>
-            <a:endParaRPr lang="en-US" sz="2800" i="0" u="none" strike="noStrike" cap="none" dirty="0">
-              <a:solidFill>
-                <a:schemeClr val="lt1"/>
-              </a:solidFill>
-              <a:latin typeface="Courier"/>
-              <a:ea typeface="Courier"/>
-              <a:cs typeface="Courier"/>
-              <a:sym typeface="Courier New"/>
-            </a:endParaRPr>
           </a:p>
           <a:p>
             <a:pPr marL="0" marR="0" lvl="0" indent="0" algn="l" rtl="0">
@@ -23308,18 +22520,6 @@
               <a:buNone/>
             </a:pPr>
             <a:r>
-              <a:rPr lang="en-US" sz="2800" i="0" u="none" strike="noStrike" cap="none" dirty="0" smtClean="0">
-                <a:solidFill>
-                  <a:schemeClr val="lt1"/>
-                </a:solidFill>
-                <a:latin typeface="Courier"/>
-                <a:ea typeface="Courier"/>
-                <a:cs typeface="Courier"/>
-                <a:sym typeface="Courier New"/>
-              </a:rPr>
-              <a:t>&lt;class 'float</a:t>
-            </a:r>
-            <a:r>
               <a:rPr lang="en-US" sz="2800" i="0" u="none" strike="noStrike" cap="none" dirty="0">
                 <a:solidFill>
                   <a:schemeClr val="lt1"/>
@@ -23329,7 +22529,7 @@
                 <a:cs typeface="Courier"/>
                 <a:sym typeface="Courier New"/>
               </a:rPr>
-              <a:t>'&gt;</a:t>
+              <a:t>&lt;class 'float'&gt;</a:t>
             </a:r>
           </a:p>
           <a:p>
@@ -23363,7 +22563,7 @@
               <a:t>&gt;&gt;&gt; </a:t>
             </a:r>
             <a:r>
-              <a:rPr lang="en-US" sz="2800" i="0" u="none" strike="noStrike" cap="none" dirty="0" smtClean="0">
+              <a:rPr lang="en-US" sz="2800" i="0" u="none" strike="noStrike" cap="none" dirty="0">
                 <a:solidFill>
                   <a:srgbClr val="FFFF00"/>
                 </a:solidFill>
@@ -23387,7 +22587,7 @@
               <a:t>(</a:t>
             </a:r>
             <a:r>
-              <a:rPr lang="en-US" sz="2800" i="0" u="none" strike="noStrike" cap="none" dirty="0" smtClean="0">
+              <a:rPr lang="en-US" sz="2800" i="0" u="none" strike="noStrike" cap="none" dirty="0">
                 <a:solidFill>
                   <a:schemeClr val="lt1"/>
                 </a:solidFill>
@@ -23507,7 +22707,7 @@
               <a:t>4 </a:t>
             </a:r>
             <a:r>
-              <a:rPr lang="en-US" sz="2800" i="0" u="none" strike="noStrike" cap="none" dirty="0" smtClean="0">
+              <a:rPr lang="en-US" sz="2800" i="0" u="none" strike="noStrike" cap="none" dirty="0">
                 <a:solidFill>
                   <a:srgbClr val="00FFFF"/>
                 </a:solidFill>
@@ -23519,7 +22719,7 @@
               <a:t>–</a:t>
             </a:r>
             <a:r>
-              <a:rPr lang="en-US" sz="2800" i="0" u="none" strike="noStrike" cap="none" dirty="0" smtClean="0">
+              <a:rPr lang="en-US" sz="2800" i="0" u="none" strike="noStrike" cap="none" dirty="0">
                 <a:solidFill>
                   <a:schemeClr val="lt1"/>
                 </a:solidFill>
@@ -23530,15 +22730,6 @@
               </a:rPr>
               <a:t> 5)</a:t>
             </a:r>
-            <a:endParaRPr lang="en-US" sz="2800" i="0" u="none" strike="noStrike" cap="none" dirty="0">
-              <a:solidFill>
-                <a:schemeClr val="lt1"/>
-              </a:solidFill>
-              <a:latin typeface="Courier"/>
-              <a:ea typeface="Courier"/>
-              <a:cs typeface="Courier"/>
-              <a:sym typeface="Courier New"/>
-            </a:endParaRPr>
           </a:p>
           <a:p>
             <a:pPr marL="0" marR="0" lvl="0" indent="0" algn="l" rtl="0">
@@ -23609,13 +22800,6 @@
   <p:clrMapOvr>
     <a:masterClrMapping/>
   </p:clrMapOvr>
-  <p:timing>
-    <p:tnLst>
-      <p:par>
-        <p:cTn xmlns:p14="http://schemas.microsoft.com/office/powerpoint/2010/main" id="1" dur="indefinite" restart="never" nodeType="tmRoot"/>
-      </p:par>
-    </p:tnLst>
-  </p:timing>
 </p:sld>
 </file>
 
@@ -24050,7 +23234,7 @@
               <a:buNone/>
             </a:pPr>
             <a:r>
-              <a:rPr lang="en-US" sz="2500" i="0" u="none" strike="noStrike" cap="none" dirty="0" smtClean="0">
+              <a:rPr lang="en-US" sz="2500" i="0" u="none" strike="noStrike" cap="none" dirty="0">
                 <a:solidFill>
                   <a:schemeClr val="lt1"/>
                 </a:solidFill>
@@ -24062,7 +23246,7 @@
               <a:t>&lt;class '</a:t>
             </a:r>
             <a:r>
-              <a:rPr lang="en-US" sz="2500" i="0" u="none" strike="noStrike" cap="none" dirty="0" err="1" smtClean="0">
+              <a:rPr lang="en-US" sz="2500" i="0" u="none" strike="noStrike" cap="none" dirty="0" err="1">
                 <a:solidFill>
                   <a:schemeClr val="lt1"/>
                 </a:solidFill>
@@ -24117,7 +23301,7 @@
               <a:t>&gt;&gt;&gt; </a:t>
             </a:r>
             <a:r>
-              <a:rPr lang="en-US" sz="2500" i="0" u="none" strike="noStrike" cap="none" dirty="0" smtClean="0">
+              <a:rPr lang="en-US" sz="2500" i="0" u="none" strike="noStrike" cap="none" dirty="0">
                 <a:solidFill>
                   <a:srgbClr val="FFFF00"/>
                 </a:solidFill>
@@ -24141,7 +23325,7 @@
               <a:t>(</a:t>
             </a:r>
             <a:r>
-              <a:rPr lang="en-US" sz="2500" i="0" u="none" strike="noStrike" cap="none" dirty="0" err="1" smtClean="0">
+              <a:rPr lang="en-US" sz="2500" i="0" u="none" strike="noStrike" cap="none" dirty="0" err="1">
                 <a:solidFill>
                   <a:srgbClr val="00FF00"/>
                 </a:solidFill>
@@ -24153,7 +23337,7 @@
               <a:t>sval</a:t>
             </a:r>
             <a:r>
-              <a:rPr lang="en-US" sz="2500" i="0" u="none" strike="noStrike" cap="none" dirty="0" smtClean="0">
+              <a:rPr lang="en-US" sz="2500" i="0" u="none" strike="noStrike" cap="none" dirty="0">
                 <a:solidFill>
                   <a:schemeClr val="lt1"/>
                 </a:solidFill>
@@ -24186,29 +23370,8 @@
                 <a:cs typeface="Courier"/>
                 <a:sym typeface="Courier New"/>
               </a:rPr>
-              <a:t> </a:t>
-            </a:r>
-            <a:r>
-              <a:rPr lang="en-US" sz="2500" i="0" u="none" strike="noStrike" cap="none" dirty="0" smtClean="0">
-                <a:solidFill>
-                  <a:schemeClr val="lt1"/>
-                </a:solidFill>
-                <a:latin typeface="Courier"/>
-                <a:ea typeface="Courier"/>
-                <a:cs typeface="Courier"/>
-                <a:sym typeface="Courier New"/>
-              </a:rPr>
-              <a:t>1)</a:t>
-            </a:r>
-            <a:endParaRPr lang="en-US" sz="2500" i="0" u="none" strike="noStrike" cap="none" dirty="0">
-              <a:solidFill>
-                <a:schemeClr val="lt1"/>
-              </a:solidFill>
-              <a:latin typeface="Courier"/>
-              <a:ea typeface="Courier"/>
-              <a:cs typeface="Courier"/>
-              <a:sym typeface="Courier New"/>
-            </a:endParaRPr>
+              <a:t> 1)</a:t>
+            </a:r>
           </a:p>
           <a:p>
             <a:pPr marL="0" marR="0" lvl="0" indent="0" algn="l" rtl="0">
@@ -24600,7 +23763,7 @@
               <a:buNone/>
             </a:pPr>
             <a:r>
-              <a:rPr lang="en-US" sz="2500" i="0" u="none" strike="noStrike" cap="none" dirty="0" smtClean="0">
+              <a:rPr lang="en-US" sz="2500" i="0" u="none" strike="noStrike" cap="none" dirty="0">
                 <a:solidFill>
                   <a:schemeClr val="lt1"/>
                 </a:solidFill>
@@ -24612,7 +23775,7 @@
               <a:t>&lt;class '</a:t>
             </a:r>
             <a:r>
-              <a:rPr lang="en-US" sz="2500" i="0" u="none" strike="noStrike" cap="none" dirty="0" err="1" smtClean="0">
+              <a:rPr lang="en-US" sz="2500" i="0" u="none" strike="noStrike" cap="none" dirty="0" err="1">
                 <a:solidFill>
                   <a:schemeClr val="lt1"/>
                 </a:solidFill>
@@ -24667,7 +23830,7 @@
               <a:t>&gt;&gt;&gt; </a:t>
             </a:r>
             <a:r>
-              <a:rPr lang="en-US" sz="2500" i="0" u="none" strike="noStrike" cap="none" dirty="0" smtClean="0">
+              <a:rPr lang="en-US" sz="2500" i="0" u="none" strike="noStrike" cap="none" dirty="0">
                 <a:solidFill>
                   <a:srgbClr val="FFFF00"/>
                 </a:solidFill>
@@ -24691,7 +23854,7 @@
               <a:t>(</a:t>
             </a:r>
             <a:r>
-              <a:rPr lang="en-US" sz="2500" i="0" u="none" strike="noStrike" cap="none" dirty="0" err="1" smtClean="0">
+              <a:rPr lang="en-US" sz="2500" i="0" u="none" strike="noStrike" cap="none" dirty="0" err="1">
                 <a:solidFill>
                   <a:srgbClr val="00FF00"/>
                 </a:solidFill>
@@ -24703,18 +23866,6 @@
               <a:t>ival</a:t>
             </a:r>
             <a:r>
-              <a:rPr lang="en-US" sz="2500" i="0" u="none" strike="noStrike" cap="none" dirty="0" smtClean="0">
-                <a:solidFill>
-                  <a:schemeClr val="lt1"/>
-                </a:solidFill>
-                <a:latin typeface="Courier"/>
-                <a:ea typeface="Courier"/>
-                <a:cs typeface="Courier"/>
-                <a:sym typeface="Courier New"/>
-              </a:rPr>
-              <a:t> </a:t>
-            </a:r>
-            <a:r>
               <a:rPr lang="en-US" sz="2500" i="0" u="none" strike="noStrike" cap="none" dirty="0">
                 <a:solidFill>
                   <a:schemeClr val="lt1"/>
@@ -24724,29 +23875,8 @@
                 <a:cs typeface="Courier"/>
                 <a:sym typeface="Courier New"/>
               </a:rPr>
-              <a:t>+ </a:t>
-            </a:r>
-            <a:r>
-              <a:rPr lang="en-US" sz="2500" i="0" u="none" strike="noStrike" cap="none" dirty="0" smtClean="0">
-                <a:solidFill>
-                  <a:schemeClr val="lt1"/>
-                </a:solidFill>
-                <a:latin typeface="Courier"/>
-                <a:ea typeface="Courier"/>
-                <a:cs typeface="Courier"/>
-                <a:sym typeface="Courier New"/>
-              </a:rPr>
-              <a:t>1)</a:t>
-            </a:r>
-            <a:endParaRPr lang="en-US" sz="2500" i="0" u="none" strike="noStrike" cap="none" dirty="0">
-              <a:solidFill>
-                <a:schemeClr val="lt1"/>
-              </a:solidFill>
-              <a:latin typeface="Courier"/>
-              <a:ea typeface="Courier"/>
-              <a:cs typeface="Courier"/>
-              <a:sym typeface="Courier New"/>
-            </a:endParaRPr>
+              <a:t> + 1)</a:t>
+            </a:r>
           </a:p>
           <a:p>
             <a:pPr marL="0" marR="0" lvl="0" indent="0" algn="l" rtl="0">
@@ -25109,13 +24239,6 @@
   <p:clrMapOvr>
     <a:masterClrMapping/>
   </p:clrMapOvr>
-  <p:timing>
-    <p:tnLst>
-      <p:par>
-        <p:cTn xmlns:p14="http://schemas.microsoft.com/office/powerpoint/2010/main" id="1" dur="indefinite" restart="never" nodeType="tmRoot"/>
-      </p:par>
-    </p:tnLst>
-  </p:timing>
 </p:sld>
 </file>
 
